--- a/Presentacion1.pptx
+++ b/Presentacion1.pptx
@@ -7,6 +7,7 @@
   <p:sldIdLst>
     <p:sldId id="257" r:id="rId2"/>
     <p:sldId id="258" r:id="rId3"/>
+    <p:sldId id="259" r:id="rId4"/>
   </p:sldIdLst>
   <p:sldSz cx="9144000" cy="6858000" type="screen4x3"/>
   <p:notesSz cx="6858000" cy="9144000"/>
@@ -3399,7 +3400,7 @@
             <a:avLst/>
           </a:prstGeom>
           <a:blipFill>
-            <a:blip r:embed="rId2"/>
+            <a:blip r:embed="rId3"/>
             <a:stretch>
               <a:fillRect b="-8452"/>
             </a:stretch>
@@ -3581,7 +3582,9 @@
             <a:r>
               <a:rPr lang="es-ES" dirty="0">
                 <a:solidFill>
-                  <a:schemeClr val="tx1"/>
+                  <a:schemeClr val="tx2">
+                    <a:lumMod val="50000"/>
+                  </a:schemeClr>
                 </a:solidFill>
                 <a:latin typeface="Times New Roman" panose="02020603050405020304" pitchFamily="18" charset="0"/>
               </a:rPr>
@@ -3593,7 +3596,9 @@
             <a:r>
               <a:rPr lang="es-ES" dirty="0" err="1">
                 <a:solidFill>
-                  <a:schemeClr val="tx1"/>
+                  <a:schemeClr val="tx2">
+                    <a:lumMod val="50000"/>
+                  </a:schemeClr>
                 </a:solidFill>
                 <a:latin typeface="Times New Roman" panose="02020603050405020304" pitchFamily="18" charset="0"/>
               </a:rPr>
@@ -3602,7 +3607,9 @@
             <a:r>
               <a:rPr lang="es-ES" dirty="0">
                 <a:solidFill>
-                  <a:schemeClr val="tx1"/>
+                  <a:schemeClr val="tx2">
+                    <a:lumMod val="50000"/>
+                  </a:schemeClr>
                 </a:solidFill>
                 <a:latin typeface="Times New Roman" panose="02020603050405020304" pitchFamily="18" charset="0"/>
               </a:rPr>
@@ -3626,7 +3633,7 @@
           <p:nvPr/>
         </p:nvPicPr>
         <p:blipFill>
-          <a:blip r:embed="rId3">
+          <a:blip r:embed="rId4">
             <a:extLst>
               <a:ext uri="{28A0092B-C50C-407E-A947-70E740481C1C}">
                 <a14:useLocalDpi xmlns:a14="http://schemas.microsoft.com/office/drawing/2010/main" val="0"/>
@@ -3817,7 +3824,7 @@
         </p:nvSpPr>
         <p:spPr>
           <a:xfrm>
-            <a:off x="206193" y="2026845"/>
+            <a:off x="206193" y="2017656"/>
             <a:ext cx="5399759" cy="3162687"/>
           </a:xfrm>
           <a:prstGeom prst="roundRect">
@@ -3930,6 +3937,262 @@
               <a:latin typeface="Arial" panose="020B0604020202020204" pitchFamily="34" charset="0"/>
               <a:cs typeface="Arial" panose="020B0604020202020204" pitchFamily="34" charset="0"/>
             </a:endParaRPr>
+          </a:p>
+        </p:txBody>
+      </p:sp>
+      <p:sp>
+        <p:nvSpPr>
+          <p:cNvPr id="8" name="CuadroTexto 7">
+            <a:extLst>
+              <a:ext uri="{FF2B5EF4-FFF2-40B4-BE49-F238E27FC236}">
+                <a16:creationId xmlns:a16="http://schemas.microsoft.com/office/drawing/2014/main" id="{92F06415-3E4A-4643-8F08-3369EF0C40F5}"/>
+              </a:ext>
+            </a:extLst>
+          </p:cNvPr>
+          <p:cNvSpPr txBox="1"/>
+          <p:nvPr/>
+        </p:nvSpPr>
+        <p:spPr>
+          <a:xfrm>
+            <a:off x="5967452" y="4648926"/>
+            <a:ext cx="3176548" cy="1692771"/>
+          </a:xfrm>
+          <a:prstGeom prst="rect">
+            <a:avLst/>
+          </a:prstGeom>
+          <a:noFill/>
+        </p:spPr>
+        <p:txBody>
+          <a:bodyPr wrap="square" rtlCol="0">
+            <a:spAutoFit/>
+          </a:bodyPr>
+          <a:lstStyle/>
+          <a:p>
+            <a:pPr marL="285750" indent="-285750">
+              <a:buFont typeface="Wingdings" panose="05000000000000000000" pitchFamily="2" charset="2"/>
+              <a:buChar char="v"/>
+            </a:pPr>
+            <a:r>
+              <a:rPr lang="es-CO" dirty="0">
+                <a:solidFill>
+                  <a:schemeClr val="accent1">
+                    <a:lumMod val="50000"/>
+                  </a:schemeClr>
+                </a:solidFill>
+                <a:latin typeface="Comic Sans MS" panose="030F0702030302020204" pitchFamily="66" charset="0"/>
+              </a:rPr>
+              <a:t>Género:  Cuento.</a:t>
+            </a:r>
+          </a:p>
+          <a:p>
+            <a:endParaRPr lang="es-CO" sz="700" u="sng" dirty="0">
+              <a:solidFill>
+                <a:schemeClr val="accent1">
+                  <a:lumMod val="50000"/>
+                </a:schemeClr>
+              </a:solidFill>
+              <a:latin typeface="Comic Sans MS" panose="030F0702030302020204" pitchFamily="66" charset="0"/>
+            </a:endParaRPr>
+          </a:p>
+          <a:p>
+            <a:pPr marL="285750" indent="-285750">
+              <a:buFont typeface="Wingdings" panose="05000000000000000000" pitchFamily="2" charset="2"/>
+              <a:buChar char="v"/>
+            </a:pPr>
+            <a:r>
+              <a:rPr lang="es-CO" dirty="0">
+                <a:solidFill>
+                  <a:schemeClr val="accent1">
+                    <a:lumMod val="50000"/>
+                  </a:schemeClr>
+                </a:solidFill>
+                <a:latin typeface="Comic Sans MS" panose="030F0702030302020204" pitchFamily="66" charset="0"/>
+              </a:rPr>
+              <a:t>Temas: ingenio, maña, fantasía.</a:t>
+            </a:r>
+          </a:p>
+          <a:p>
+            <a:pPr marL="285750" indent="-285750">
+              <a:buFont typeface="Wingdings" panose="05000000000000000000" pitchFamily="2" charset="2"/>
+              <a:buChar char="v"/>
+            </a:pPr>
+            <a:endParaRPr lang="es-CO" sz="700" dirty="0">
+              <a:solidFill>
+                <a:schemeClr val="accent1">
+                  <a:lumMod val="50000"/>
+                </a:schemeClr>
+              </a:solidFill>
+              <a:latin typeface="Comic Sans MS" panose="030F0702030302020204" pitchFamily="66" charset="0"/>
+            </a:endParaRPr>
+          </a:p>
+          <a:p>
+            <a:pPr marL="285750" indent="-285750">
+              <a:buFont typeface="Wingdings" panose="05000000000000000000" pitchFamily="2" charset="2"/>
+              <a:buChar char="v"/>
+            </a:pPr>
+            <a:r>
+              <a:rPr lang="es-CO" dirty="0">
+                <a:solidFill>
+                  <a:schemeClr val="accent1">
+                    <a:lumMod val="50000"/>
+                  </a:schemeClr>
+                </a:solidFill>
+                <a:latin typeface="Comic Sans MS" panose="030F0702030302020204" pitchFamily="66" charset="0"/>
+              </a:rPr>
+              <a:t>Edición original en francés.</a:t>
+            </a:r>
+          </a:p>
+        </p:txBody>
+      </p:sp>
+      <p:sp>
+        <p:nvSpPr>
+          <p:cNvPr id="16" name="CuadroTexto 15">
+            <a:extLst>
+              <a:ext uri="{FF2B5EF4-FFF2-40B4-BE49-F238E27FC236}">
+                <a16:creationId xmlns:a16="http://schemas.microsoft.com/office/drawing/2014/main" id="{DF711BB6-CD8E-4852-9190-D4BBBE5E3F3E}"/>
+              </a:ext>
+            </a:extLst>
+          </p:cNvPr>
+          <p:cNvSpPr txBox="1"/>
+          <p:nvPr/>
+        </p:nvSpPr>
+        <p:spPr>
+          <a:xfrm>
+            <a:off x="219071" y="5448117"/>
+            <a:ext cx="5414867" cy="1138773"/>
+          </a:xfrm>
+          <a:prstGeom prst="rect">
+            <a:avLst/>
+          </a:prstGeom>
+          <a:noFill/>
+        </p:spPr>
+        <p:txBody>
+          <a:bodyPr wrap="square" rtlCol="0">
+            <a:spAutoFit/>
+          </a:bodyPr>
+          <a:lstStyle/>
+          <a:p>
+            <a:pPr marL="285750" indent="-285750">
+              <a:buFont typeface="Wingdings" panose="05000000000000000000" pitchFamily="2" charset="2"/>
+              <a:buChar char="v"/>
+            </a:pPr>
+            <a:r>
+              <a:rPr lang="es-CO" dirty="0">
+                <a:solidFill>
+                  <a:schemeClr val="accent1">
+                    <a:lumMod val="50000"/>
+                  </a:schemeClr>
+                </a:solidFill>
+                <a:latin typeface="Comic Sans MS" panose="030F0702030302020204" pitchFamily="66" charset="0"/>
+              </a:rPr>
+              <a:t>El Gato con Botas de Charles Perrault.</a:t>
+            </a:r>
+          </a:p>
+          <a:p>
+            <a:pPr marL="285750" indent="-285750">
+              <a:buFont typeface="Wingdings" panose="05000000000000000000" pitchFamily="2" charset="2"/>
+              <a:buChar char="v"/>
+            </a:pPr>
+            <a:endParaRPr lang="es-CO" sz="700" dirty="0">
+              <a:solidFill>
+                <a:schemeClr val="accent1">
+                  <a:lumMod val="50000"/>
+                </a:schemeClr>
+              </a:solidFill>
+              <a:latin typeface="Comic Sans MS" panose="030F0702030302020204" pitchFamily="66" charset="0"/>
+            </a:endParaRPr>
+          </a:p>
+          <a:p>
+            <a:pPr marL="285750" indent="-285750">
+              <a:buFont typeface="Wingdings" panose="05000000000000000000" pitchFamily="2" charset="2"/>
+              <a:buChar char="v"/>
+            </a:pPr>
+            <a:r>
+              <a:rPr lang="es-CO" dirty="0">
+                <a:solidFill>
+                  <a:schemeClr val="accent1">
+                    <a:lumMod val="50000"/>
+                  </a:schemeClr>
+                </a:solidFill>
+                <a:latin typeface="Comic Sans MS" panose="030F0702030302020204" pitchFamily="66" charset="0"/>
+              </a:rPr>
+              <a:t>Título origina Le Maître Chat </a:t>
+            </a:r>
+            <a:r>
+              <a:rPr lang="es-CO" dirty="0" err="1">
+                <a:solidFill>
+                  <a:schemeClr val="accent1">
+                    <a:lumMod val="50000"/>
+                  </a:schemeClr>
+                </a:solidFill>
+                <a:latin typeface="Comic Sans MS" panose="030F0702030302020204" pitchFamily="66" charset="0"/>
+              </a:rPr>
+              <a:t>ou</a:t>
+            </a:r>
+            <a:r>
+              <a:rPr lang="es-CO" dirty="0">
+                <a:solidFill>
+                  <a:schemeClr val="accent1">
+                    <a:lumMod val="50000"/>
+                  </a:schemeClr>
+                </a:solidFill>
+                <a:latin typeface="Comic Sans MS" panose="030F0702030302020204" pitchFamily="66" charset="0"/>
+              </a:rPr>
+              <a:t> le Chat </a:t>
+            </a:r>
+            <a:r>
+              <a:rPr lang="es-CO" dirty="0" err="1">
+                <a:solidFill>
+                  <a:schemeClr val="accent1">
+                    <a:lumMod val="50000"/>
+                  </a:schemeClr>
+                </a:solidFill>
+                <a:latin typeface="Comic Sans MS" panose="030F0702030302020204" pitchFamily="66" charset="0"/>
+              </a:rPr>
+              <a:t>botté</a:t>
+            </a:r>
+            <a:r>
+              <a:rPr lang="es-CO" dirty="0">
+                <a:solidFill>
+                  <a:schemeClr val="accent1">
+                    <a:lumMod val="50000"/>
+                  </a:schemeClr>
+                </a:solidFill>
+                <a:latin typeface="Comic Sans MS" panose="030F0702030302020204" pitchFamily="66" charset="0"/>
+              </a:rPr>
+              <a:t>.</a:t>
+            </a:r>
+          </a:p>
+          <a:p>
+            <a:pPr marL="285750" indent="-285750">
+              <a:buFont typeface="Wingdings" panose="05000000000000000000" pitchFamily="2" charset="2"/>
+              <a:buChar char="v"/>
+            </a:pPr>
+            <a:endParaRPr lang="es-CO" sz="700" dirty="0">
+              <a:solidFill>
+                <a:schemeClr val="accent1">
+                  <a:lumMod val="50000"/>
+                </a:schemeClr>
+              </a:solidFill>
+              <a:latin typeface="Comic Sans MS" panose="030F0702030302020204" pitchFamily="66" charset="0"/>
+            </a:endParaRPr>
+          </a:p>
+          <a:p>
+            <a:pPr marL="285750" indent="-285750">
+              <a:buFont typeface="Wingdings" panose="05000000000000000000" pitchFamily="2" charset="2"/>
+              <a:buChar char="v"/>
+            </a:pPr>
+            <a:r>
+              <a:rPr lang="es-CO" dirty="0">
+                <a:solidFill>
+                  <a:schemeClr val="accent1">
+                    <a:lumMod val="50000"/>
+                  </a:schemeClr>
+                </a:solidFill>
+                <a:latin typeface="Comic Sans MS" panose="030F0702030302020204" pitchFamily="66" charset="0"/>
+              </a:rPr>
+              <a:t>Primera versión manuscrita e ilustrada 1695.</a:t>
+            </a:r>
           </a:p>
         </p:txBody>
       </p:sp>
@@ -4775,6 +5038,414 @@
                             </p:childTnLst>
                           </p:cTn>
                         </p:par>
+                        <p:par>
+                          <p:cTn id="67" fill="hold">
+                            <p:stCondLst>
+                              <p:cond delay="13200"/>
+                            </p:stCondLst>
+                            <p:childTnLst>
+                              <p:par>
+                                <p:cTn id="68" presetID="53" presetClass="entr" presetSubtype="16" fill="hold" grpId="0" nodeType="afterEffect">
+                                  <p:stCondLst>
+                                    <p:cond delay="0"/>
+                                  </p:stCondLst>
+                                  <p:childTnLst>
+                                    <p:set>
+                                      <p:cBhvr>
+                                        <p:cTn id="69" dur="1" fill="hold">
+                                          <p:stCondLst>
+                                            <p:cond delay="0"/>
+                                          </p:stCondLst>
+                                        </p:cTn>
+                                        <p:tgtEl>
+                                          <p:spTgt spid="16"/>
+                                        </p:tgtEl>
+                                        <p:attrNameLst>
+                                          <p:attrName>style.visibility</p:attrName>
+                                        </p:attrNameLst>
+                                      </p:cBhvr>
+                                      <p:to>
+                                        <p:strVal val="visible"/>
+                                      </p:to>
+                                    </p:set>
+                                    <p:anim calcmode="lin" valueType="num">
+                                      <p:cBhvr>
+                                        <p:cTn id="70" dur="500" fill="hold"/>
+                                        <p:tgtEl>
+                                          <p:spTgt spid="16"/>
+                                        </p:tgtEl>
+                                        <p:attrNameLst>
+                                          <p:attrName>ppt_w</p:attrName>
+                                        </p:attrNameLst>
+                                      </p:cBhvr>
+                                      <p:tavLst>
+                                        <p:tav tm="0">
+                                          <p:val>
+                                            <p:fltVal val="0"/>
+                                          </p:val>
+                                        </p:tav>
+                                        <p:tav tm="100000">
+                                          <p:val>
+                                            <p:strVal val="#ppt_w"/>
+                                          </p:val>
+                                        </p:tav>
+                                      </p:tavLst>
+                                    </p:anim>
+                                    <p:anim calcmode="lin" valueType="num">
+                                      <p:cBhvr>
+                                        <p:cTn id="71" dur="500" fill="hold"/>
+                                        <p:tgtEl>
+                                          <p:spTgt spid="16"/>
+                                        </p:tgtEl>
+                                        <p:attrNameLst>
+                                          <p:attrName>ppt_h</p:attrName>
+                                        </p:attrNameLst>
+                                      </p:cBhvr>
+                                      <p:tavLst>
+                                        <p:tav tm="0">
+                                          <p:val>
+                                            <p:fltVal val="0"/>
+                                          </p:val>
+                                        </p:tav>
+                                        <p:tav tm="100000">
+                                          <p:val>
+                                            <p:strVal val="#ppt_h"/>
+                                          </p:val>
+                                        </p:tav>
+                                      </p:tavLst>
+                                    </p:anim>
+                                    <p:animEffect transition="in" filter="fade">
+                                      <p:cBhvr>
+                                        <p:cTn id="72" dur="500"/>
+                                        <p:tgtEl>
+                                          <p:spTgt spid="16"/>
+                                        </p:tgtEl>
+                                      </p:cBhvr>
+                                    </p:animEffect>
+                                  </p:childTnLst>
+                                </p:cTn>
+                              </p:par>
+                            </p:childTnLst>
+                          </p:cTn>
+                        </p:par>
+                        <p:par>
+                          <p:cTn id="73" fill="hold">
+                            <p:stCondLst>
+                              <p:cond delay="13700"/>
+                            </p:stCondLst>
+                            <p:childTnLst>
+                              <p:par>
+                                <p:cTn id="74" presetID="42" presetClass="entr" presetSubtype="0" fill="hold" nodeType="afterEffect">
+                                  <p:stCondLst>
+                                    <p:cond delay="0"/>
+                                  </p:stCondLst>
+                                  <p:childTnLst>
+                                    <p:set>
+                                      <p:cBhvr>
+                                        <p:cTn id="75" dur="1" fill="hold">
+                                          <p:stCondLst>
+                                            <p:cond delay="0"/>
+                                          </p:stCondLst>
+                                        </p:cTn>
+                                        <p:tgtEl>
+                                          <p:spTgt spid="8">
+                                            <p:txEl>
+                                              <p:pRg st="0" end="0"/>
+                                            </p:txEl>
+                                          </p:spTgt>
+                                        </p:tgtEl>
+                                        <p:attrNameLst>
+                                          <p:attrName>style.visibility</p:attrName>
+                                        </p:attrNameLst>
+                                      </p:cBhvr>
+                                      <p:to>
+                                        <p:strVal val="visible"/>
+                                      </p:to>
+                                    </p:set>
+                                    <p:animEffect transition="in" filter="fade">
+                                      <p:cBhvr>
+                                        <p:cTn id="76" dur="1000"/>
+                                        <p:tgtEl>
+                                          <p:spTgt spid="8">
+                                            <p:txEl>
+                                              <p:pRg st="0" end="0"/>
+                                            </p:txEl>
+                                          </p:spTgt>
+                                        </p:tgtEl>
+                                      </p:cBhvr>
+                                    </p:animEffect>
+                                    <p:anim calcmode="lin" valueType="num">
+                                      <p:cBhvr>
+                                        <p:cTn id="77" dur="1000" fill="hold"/>
+                                        <p:tgtEl>
+                                          <p:spTgt spid="8">
+                                            <p:txEl>
+                                              <p:pRg st="0" end="0"/>
+                                            </p:txEl>
+                                          </p:spTgt>
+                                        </p:tgtEl>
+                                        <p:attrNameLst>
+                                          <p:attrName>ppt_x</p:attrName>
+                                        </p:attrNameLst>
+                                      </p:cBhvr>
+                                      <p:tavLst>
+                                        <p:tav tm="0">
+                                          <p:val>
+                                            <p:strVal val="#ppt_x"/>
+                                          </p:val>
+                                        </p:tav>
+                                        <p:tav tm="100000">
+                                          <p:val>
+                                            <p:strVal val="#ppt_x"/>
+                                          </p:val>
+                                        </p:tav>
+                                      </p:tavLst>
+                                    </p:anim>
+                                    <p:anim calcmode="lin" valueType="num">
+                                      <p:cBhvr>
+                                        <p:cTn id="78" dur="1000" fill="hold"/>
+                                        <p:tgtEl>
+                                          <p:spTgt spid="8">
+                                            <p:txEl>
+                                              <p:pRg st="0" end="0"/>
+                                            </p:txEl>
+                                          </p:spTgt>
+                                        </p:tgtEl>
+                                        <p:attrNameLst>
+                                          <p:attrName>ppt_y</p:attrName>
+                                        </p:attrNameLst>
+                                      </p:cBhvr>
+                                      <p:tavLst>
+                                        <p:tav tm="0">
+                                          <p:val>
+                                            <p:strVal val="#ppt_y+.1"/>
+                                          </p:val>
+                                        </p:tav>
+                                        <p:tav tm="100000">
+                                          <p:val>
+                                            <p:strVal val="#ppt_y"/>
+                                          </p:val>
+                                        </p:tav>
+                                      </p:tavLst>
+                                    </p:anim>
+                                  </p:childTnLst>
+                                </p:cTn>
+                              </p:par>
+                            </p:childTnLst>
+                          </p:cTn>
+                        </p:par>
+                        <p:par>
+                          <p:cTn id="79" fill="hold">
+                            <p:stCondLst>
+                              <p:cond delay="14700"/>
+                            </p:stCondLst>
+                            <p:childTnLst>
+                              <p:par>
+                                <p:cTn id="80" presetID="42" presetClass="entr" presetSubtype="0" fill="hold" nodeType="afterEffect">
+                                  <p:stCondLst>
+                                    <p:cond delay="0"/>
+                                  </p:stCondLst>
+                                  <p:childTnLst>
+                                    <p:set>
+                                      <p:cBhvr>
+                                        <p:cTn id="81" dur="1" fill="hold">
+                                          <p:stCondLst>
+                                            <p:cond delay="0"/>
+                                          </p:stCondLst>
+                                        </p:cTn>
+                                        <p:tgtEl>
+                                          <p:spTgt spid="8">
+                                            <p:txEl>
+                                              <p:pRg st="2" end="2"/>
+                                            </p:txEl>
+                                          </p:spTgt>
+                                        </p:tgtEl>
+                                        <p:attrNameLst>
+                                          <p:attrName>style.visibility</p:attrName>
+                                        </p:attrNameLst>
+                                      </p:cBhvr>
+                                      <p:to>
+                                        <p:strVal val="visible"/>
+                                      </p:to>
+                                    </p:set>
+                                    <p:animEffect transition="in" filter="fade">
+                                      <p:cBhvr>
+                                        <p:cTn id="82" dur="1000"/>
+                                        <p:tgtEl>
+                                          <p:spTgt spid="8">
+                                            <p:txEl>
+                                              <p:pRg st="2" end="2"/>
+                                            </p:txEl>
+                                          </p:spTgt>
+                                        </p:tgtEl>
+                                      </p:cBhvr>
+                                    </p:animEffect>
+                                    <p:anim calcmode="lin" valueType="num">
+                                      <p:cBhvr>
+                                        <p:cTn id="83" dur="1000" fill="hold"/>
+                                        <p:tgtEl>
+                                          <p:spTgt spid="8">
+                                            <p:txEl>
+                                              <p:pRg st="2" end="2"/>
+                                            </p:txEl>
+                                          </p:spTgt>
+                                        </p:tgtEl>
+                                        <p:attrNameLst>
+                                          <p:attrName>ppt_x</p:attrName>
+                                        </p:attrNameLst>
+                                      </p:cBhvr>
+                                      <p:tavLst>
+                                        <p:tav tm="0">
+                                          <p:val>
+                                            <p:strVal val="#ppt_x"/>
+                                          </p:val>
+                                        </p:tav>
+                                        <p:tav tm="100000">
+                                          <p:val>
+                                            <p:strVal val="#ppt_x"/>
+                                          </p:val>
+                                        </p:tav>
+                                      </p:tavLst>
+                                    </p:anim>
+                                    <p:anim calcmode="lin" valueType="num">
+                                      <p:cBhvr>
+                                        <p:cTn id="84" dur="1000" fill="hold"/>
+                                        <p:tgtEl>
+                                          <p:spTgt spid="8">
+                                            <p:txEl>
+                                              <p:pRg st="2" end="2"/>
+                                            </p:txEl>
+                                          </p:spTgt>
+                                        </p:tgtEl>
+                                        <p:attrNameLst>
+                                          <p:attrName>ppt_y</p:attrName>
+                                        </p:attrNameLst>
+                                      </p:cBhvr>
+                                      <p:tavLst>
+                                        <p:tav tm="0">
+                                          <p:val>
+                                            <p:strVal val="#ppt_y+.1"/>
+                                          </p:val>
+                                        </p:tav>
+                                        <p:tav tm="100000">
+                                          <p:val>
+                                            <p:strVal val="#ppt_y"/>
+                                          </p:val>
+                                        </p:tav>
+                                      </p:tavLst>
+                                    </p:anim>
+                                  </p:childTnLst>
+                                </p:cTn>
+                              </p:par>
+                            </p:childTnLst>
+                          </p:cTn>
+                        </p:par>
+                        <p:par>
+                          <p:cTn id="85" fill="hold">
+                            <p:stCondLst>
+                              <p:cond delay="15700"/>
+                            </p:stCondLst>
+                            <p:childTnLst>
+                              <p:par>
+                                <p:cTn id="86" presetID="42" presetClass="entr" presetSubtype="0" fill="hold" nodeType="afterEffect">
+                                  <p:stCondLst>
+                                    <p:cond delay="0"/>
+                                  </p:stCondLst>
+                                  <p:childTnLst>
+                                    <p:set>
+                                      <p:cBhvr>
+                                        <p:cTn id="87" dur="1" fill="hold">
+                                          <p:stCondLst>
+                                            <p:cond delay="0"/>
+                                          </p:stCondLst>
+                                        </p:cTn>
+                                        <p:tgtEl>
+                                          <p:spTgt spid="8">
+                                            <p:txEl>
+                                              <p:pRg st="4" end="4"/>
+                                            </p:txEl>
+                                          </p:spTgt>
+                                        </p:tgtEl>
+                                        <p:attrNameLst>
+                                          <p:attrName>style.visibility</p:attrName>
+                                        </p:attrNameLst>
+                                      </p:cBhvr>
+                                      <p:to>
+                                        <p:strVal val="visible"/>
+                                      </p:to>
+                                    </p:set>
+                                    <p:animEffect transition="in" filter="fade">
+                                      <p:cBhvr>
+                                        <p:cTn id="88" dur="1000"/>
+                                        <p:tgtEl>
+                                          <p:spTgt spid="8">
+                                            <p:txEl>
+                                              <p:pRg st="4" end="4"/>
+                                            </p:txEl>
+                                          </p:spTgt>
+                                        </p:tgtEl>
+                                      </p:cBhvr>
+                                    </p:animEffect>
+                                    <p:anim calcmode="lin" valueType="num">
+                                      <p:cBhvr>
+                                        <p:cTn id="89" dur="1000" fill="hold"/>
+                                        <p:tgtEl>
+                                          <p:spTgt spid="8">
+                                            <p:txEl>
+                                              <p:pRg st="4" end="4"/>
+                                            </p:txEl>
+                                          </p:spTgt>
+                                        </p:tgtEl>
+                                        <p:attrNameLst>
+                                          <p:attrName>ppt_x</p:attrName>
+                                        </p:attrNameLst>
+                                      </p:cBhvr>
+                                      <p:tavLst>
+                                        <p:tav tm="0">
+                                          <p:val>
+                                            <p:strVal val="#ppt_x"/>
+                                          </p:val>
+                                        </p:tav>
+                                        <p:tav tm="100000">
+                                          <p:val>
+                                            <p:strVal val="#ppt_x"/>
+                                          </p:val>
+                                        </p:tav>
+                                      </p:tavLst>
+                                    </p:anim>
+                                    <p:anim calcmode="lin" valueType="num">
+                                      <p:cBhvr>
+                                        <p:cTn id="90" dur="1000" fill="hold"/>
+                                        <p:tgtEl>
+                                          <p:spTgt spid="8">
+                                            <p:txEl>
+                                              <p:pRg st="4" end="4"/>
+                                            </p:txEl>
+                                          </p:spTgt>
+                                        </p:tgtEl>
+                                        <p:attrNameLst>
+                                          <p:attrName>ppt_y</p:attrName>
+                                        </p:attrNameLst>
+                                      </p:cBhvr>
+                                      <p:tavLst>
+                                        <p:tav tm="0">
+                                          <p:val>
+                                            <p:strVal val="#ppt_y+.1"/>
+                                          </p:val>
+                                        </p:tav>
+                                        <p:tav tm="100000">
+                                          <p:val>
+                                            <p:strVal val="#ppt_y"/>
+                                          </p:val>
+                                        </p:tav>
+                                      </p:tavLst>
+                                    </p:anim>
+                                  </p:childTnLst>
+                                </p:cTn>
+                              </p:par>
+                            </p:childTnLst>
+                          </p:cTn>
+                        </p:par>
                       </p:childTnLst>
                     </p:cTn>
                   </p:par>
@@ -4805,6 +5476,7 @@
       <p:bldP spid="7" grpId="0" uiExpand="1" build="p"/>
       <p:bldP spid="11" grpId="0"/>
       <p:bldP spid="12" grpId="0" build="p" animBg="1"/>
+      <p:bldP spid="16" grpId="0"/>
     </p:bldLst>
   </p:timing>
 </p:sld>
@@ -4994,6 +5666,202 @@
   <p:transition spd="slow">
     <p:wipe dir="r"/>
   </p:transition>
+</p:sld>
+</file>
+
+<file path=ppt/slides/slide3.xml><?xml version="1.0" encoding="utf-8"?>
+<p:sld xmlns:a="http://schemas.openxmlformats.org/drawingml/2006/main" xmlns:r="http://schemas.openxmlformats.org/officeDocument/2006/relationships" xmlns:p="http://schemas.openxmlformats.org/presentationml/2006/main">
+  <p:cSld>
+    <p:spTree>
+      <p:nvGrpSpPr>
+        <p:cNvPr id="1" name=""/>
+        <p:cNvGrpSpPr/>
+        <p:nvPr/>
+      </p:nvGrpSpPr>
+      <p:grpSpPr>
+        <a:xfrm>
+          <a:off x="0" y="0"/>
+          <a:ext cx="0" cy="0"/>
+          <a:chOff x="0" y="0"/>
+          <a:chExt cx="0" cy="0"/>
+        </a:xfrm>
+      </p:grpSpPr>
+      <p:sp>
+        <p:nvSpPr>
+          <p:cNvPr id="5" name="Rectángulo 4">
+            <a:extLst>
+              <a:ext uri="{FF2B5EF4-FFF2-40B4-BE49-F238E27FC236}">
+                <a16:creationId xmlns:a16="http://schemas.microsoft.com/office/drawing/2014/main" id="{094A6736-35AD-441B-9AE8-0B811CA4A999}"/>
+              </a:ext>
+            </a:extLst>
+          </p:cNvPr>
+          <p:cNvSpPr/>
+          <p:nvPr/>
+        </p:nvSpPr>
+        <p:spPr>
+          <a:xfrm>
+            <a:off x="-1" y="0"/>
+            <a:ext cx="9144001" cy="6858000"/>
+          </a:xfrm>
+          <a:prstGeom prst="rect">
+            <a:avLst/>
+          </a:prstGeom>
+          <a:blipFill>
+            <a:blip r:embed="rId2"/>
+            <a:stretch>
+              <a:fillRect b="-8452"/>
+            </a:stretch>
+          </a:blipFill>
+          <a:ln>
+            <a:noFill/>
+          </a:ln>
+        </p:spPr>
+        <p:style>
+          <a:lnRef idx="2">
+            <a:schemeClr val="accent1">
+              <a:shade val="50000"/>
+            </a:schemeClr>
+          </a:lnRef>
+          <a:fillRef idx="1">
+            <a:schemeClr val="accent1"/>
+          </a:fillRef>
+          <a:effectRef idx="0">
+            <a:schemeClr val="accent1"/>
+          </a:effectRef>
+          <a:fontRef idx="minor">
+            <a:schemeClr val="lt1"/>
+          </a:fontRef>
+        </p:style>
+        <p:txBody>
+          <a:bodyPr rtlCol="0" anchor="ctr"/>
+          <a:lstStyle/>
+          <a:p>
+            <a:br>
+              <a:rPr lang="es-ES" sz="1500" dirty="0">
+                <a:solidFill>
+                  <a:schemeClr val="tx1"/>
+                </a:solidFill>
+                <a:latin typeface="Times New Roman" panose="02020603050405020304" pitchFamily="18" charset="0"/>
+              </a:rPr>
+            </a:br>
+            <a:endParaRPr lang="es-CO" sz="1500" u="sng" dirty="0">
+              <a:solidFill>
+                <a:schemeClr val="tx1"/>
+              </a:solidFill>
+            </a:endParaRPr>
+          </a:p>
+        </p:txBody>
+      </p:sp>
+      <p:sp>
+        <p:nvSpPr>
+          <p:cNvPr id="6" name="Rectángulo 5">
+            <a:extLst>
+              <a:ext uri="{FF2B5EF4-FFF2-40B4-BE49-F238E27FC236}">
+                <a16:creationId xmlns:a16="http://schemas.microsoft.com/office/drawing/2014/main" id="{1D7BAA42-1A8A-43C8-B209-D1AFAA845598}"/>
+              </a:ext>
+            </a:extLst>
+          </p:cNvPr>
+          <p:cNvSpPr/>
+          <p:nvPr/>
+        </p:nvSpPr>
+        <p:spPr>
+          <a:xfrm>
+            <a:off x="-2" y="0"/>
+            <a:ext cx="9144001" cy="6858000"/>
+          </a:xfrm>
+          <a:prstGeom prst="rect">
+            <a:avLst/>
+          </a:prstGeom>
+          <a:gradFill flip="none" rotWithShape="1">
+            <a:gsLst>
+              <a:gs pos="0">
+                <a:schemeClr val="accent1">
+                  <a:lumMod val="0"/>
+                  <a:lumOff val="100000"/>
+                  <a:alpha val="60000"/>
+                </a:schemeClr>
+              </a:gs>
+              <a:gs pos="35000">
+                <a:schemeClr val="accent1">
+                  <a:lumMod val="0"/>
+                  <a:lumOff val="100000"/>
+                  <a:alpha val="96000"/>
+                </a:schemeClr>
+              </a:gs>
+              <a:gs pos="100000">
+                <a:schemeClr val="accent1">
+                  <a:lumMod val="100000"/>
+                  <a:alpha val="80000"/>
+                </a:schemeClr>
+              </a:gs>
+            </a:gsLst>
+            <a:path path="circle">
+              <a:fillToRect l="50000" t="-80000" r="50000" b="180000"/>
+            </a:path>
+            <a:tileRect/>
+          </a:gradFill>
+          <a:ln>
+            <a:noFill/>
+          </a:ln>
+        </p:spPr>
+        <p:style>
+          <a:lnRef idx="2">
+            <a:schemeClr val="accent1">
+              <a:shade val="50000"/>
+            </a:schemeClr>
+          </a:lnRef>
+          <a:fillRef idx="1">
+            <a:schemeClr val="accent1"/>
+          </a:fillRef>
+          <a:effectRef idx="0">
+            <a:schemeClr val="accent1"/>
+          </a:effectRef>
+          <a:fontRef idx="minor">
+            <a:schemeClr val="lt1"/>
+          </a:fontRef>
+        </p:style>
+        <p:txBody>
+          <a:bodyPr rtlCol="0" anchor="ctr"/>
+          <a:lstStyle/>
+          <a:p>
+            <a:br>
+              <a:rPr lang="es-ES" sz="1500" u="sng" dirty="0">
+                <a:solidFill>
+                  <a:schemeClr val="tx1"/>
+                </a:solidFill>
+                <a:latin typeface="Times New Roman" panose="02020603050405020304" pitchFamily="18" charset="0"/>
+              </a:rPr>
+            </a:br>
+            <a:endParaRPr lang="es-CO" sz="1500" u="sng" dirty="0">
+              <a:solidFill>
+                <a:schemeClr val="tx1"/>
+              </a:solidFill>
+            </a:endParaRPr>
+          </a:p>
+        </p:txBody>
+      </p:sp>
+    </p:spTree>
+    <p:extLst>
+      <p:ext uri="{BB962C8B-B14F-4D97-AF65-F5344CB8AC3E}">
+        <p14:creationId xmlns:p14="http://schemas.microsoft.com/office/powerpoint/2010/main" val="1971259575"/>
+      </p:ext>
+    </p:extLst>
+  </p:cSld>
+  <p:clrMapOvr>
+    <a:masterClrMapping/>
+  </p:clrMapOvr>
+  <mc:AlternateContent xmlns:mc="http://schemas.openxmlformats.org/markup-compatibility/2006">
+    <mc:Choice xmlns:p14="http://schemas.microsoft.com/office/powerpoint/2010/main" Requires="p14">
+      <p:transition spd="slow" p14:dur="1500">
+        <p:split orient="vert"/>
+      </p:transition>
+    </mc:Choice>
+    <mc:Fallback>
+      <p:transition spd="slow">
+        <p:split orient="vert"/>
+      </p:transition>
+    </mc:Fallback>
+  </mc:AlternateContent>
 </p:sld>
 </file>
 

--- a/Presentacion1.pptx
+++ b/Presentacion1.pptx
@@ -8,6 +8,7 @@
     <p:sldId id="257" r:id="rId2"/>
     <p:sldId id="258" r:id="rId3"/>
     <p:sldId id="259" r:id="rId4"/>
+    <p:sldId id="260" r:id="rId5"/>
   </p:sldIdLst>
   <p:sldSz cx="9144000" cy="6858000" type="screen4x3"/>
   <p:notesSz cx="6858000" cy="9144000"/>
@@ -3400,7 +3401,7 @@
             <a:avLst/>
           </a:prstGeom>
           <a:blipFill>
-            <a:blip r:embed="rId3"/>
+            <a:blip r:embed="rId2"/>
             <a:stretch>
               <a:fillRect b="-8452"/>
             </a:stretch>
@@ -3633,7 +3634,7 @@
           <p:nvPr/>
         </p:nvPicPr>
         <p:blipFill>
-          <a:blip r:embed="rId4">
+          <a:blip r:embed="rId3">
             <a:extLst>
               <a:ext uri="{28A0092B-C50C-407E-A947-70E740481C1C}">
                 <a14:useLocalDpi xmlns:a14="http://schemas.microsoft.com/office/drawing/2010/main" val="0"/>
@@ -4196,6 +4197,53 @@
           </a:p>
         </p:txBody>
       </p:sp>
+      <p:pic>
+        <p:nvPicPr>
+          <p:cNvPr id="1026" name="Picture 2" descr="Ver y modificar los datos en Wikidata">
+            <a:extLst>
+              <a:ext uri="{FF2B5EF4-FFF2-40B4-BE49-F238E27FC236}">
+                <a16:creationId xmlns:a16="http://schemas.microsoft.com/office/drawing/2014/main" id="{56FB0788-35A9-4018-B66E-CE84556CAF58}"/>
+              </a:ext>
+            </a:extLst>
+          </p:cNvPr>
+          <p:cNvPicPr>
+            <a:picLocks noChangeAspect="1" noChangeArrowheads="1"/>
+          </p:cNvPicPr>
+          <p:nvPr/>
+        </p:nvPicPr>
+        <p:blipFill>
+          <a:blip r:embed="rId4">
+            <a:extLst>
+              <a:ext uri="{28A0092B-C50C-407E-A947-70E740481C1C}">
+                <a14:useLocalDpi xmlns:a14="http://schemas.microsoft.com/office/drawing/2010/main" val="0"/>
+              </a:ext>
+            </a:extLst>
+          </a:blip>
+          <a:srcRect/>
+          <a:stretch>
+            <a:fillRect/>
+          </a:stretch>
+        </p:blipFill>
+        <p:spPr bwMode="auto">
+          <a:xfrm>
+            <a:off x="0" y="0"/>
+            <a:ext cx="95250" cy="95250"/>
+          </a:xfrm>
+          <a:prstGeom prst="rect">
+            <a:avLst/>
+          </a:prstGeom>
+          <a:noFill/>
+          <a:extLst>
+            <a:ext uri="{909E8E84-426E-40DD-AFC4-6F175D3DCCD1}">
+              <a14:hiddenFill xmlns:a14="http://schemas.microsoft.com/office/drawing/2010/main">
+                <a:solidFill>
+                  <a:srgbClr val="FFFFFF"/>
+                </a:solidFill>
+              </a14:hiddenFill>
+            </a:ext>
+          </a:extLst>
+        </p:spPr>
+      </p:pic>
     </p:spTree>
     <p:extLst>
       <p:ext uri="{BB962C8B-B14F-4D97-AF65-F5344CB8AC3E}">
@@ -4207,7 +4255,7 @@
     <a:masterClrMapping/>
   </p:clrMapOvr>
   <p:transition spd="slow">
-    <p:wipe dir="r"/>
+    <p:wipe/>
   </p:transition>
   <p:timing>
     <p:tnLst>
@@ -5579,7 +5627,7 @@
         </p:nvSpPr>
         <p:spPr>
           <a:xfrm>
-            <a:off x="-2" y="0"/>
+            <a:off x="-1" y="0"/>
             <a:ext cx="9144001" cy="6858000"/>
           </a:xfrm>
           <a:prstGeom prst="rect">
@@ -5638,18 +5686,86 @@
           <a:lstStyle/>
           <a:p>
             <a:br>
-              <a:rPr lang="es-ES" sz="1500" u="sng" dirty="0">
+              <a:rPr lang="es-ES" sz="1500" b="1" u="sng" dirty="0">
+                <a:ln w="22225">
+                  <a:solidFill>
+                    <a:schemeClr val="accent2"/>
+                  </a:solidFill>
+                  <a:prstDash val="solid"/>
+                </a:ln>
                 <a:solidFill>
-                  <a:schemeClr val="tx1"/>
+                  <a:schemeClr val="accent2">
+                    <a:lumMod val="40000"/>
+                    <a:lumOff val="60000"/>
+                  </a:schemeClr>
                 </a:solidFill>
                 <a:latin typeface="Times New Roman" panose="02020603050405020304" pitchFamily="18" charset="0"/>
               </a:rPr>
             </a:br>
-            <a:endParaRPr lang="es-CO" sz="1500" u="sng" dirty="0">
+            <a:endParaRPr lang="es-CO" sz="1500" b="1" u="sng" dirty="0">
+              <a:ln w="22225">
+                <a:solidFill>
+                  <a:schemeClr val="accent2"/>
+                </a:solidFill>
+                <a:prstDash val="solid"/>
+              </a:ln>
               <a:solidFill>
-                <a:schemeClr val="tx1"/>
+                <a:schemeClr val="accent2">
+                  <a:lumMod val="40000"/>
+                  <a:lumOff val="60000"/>
+                </a:schemeClr>
               </a:solidFill>
             </a:endParaRPr>
+          </a:p>
+        </p:txBody>
+      </p:sp>
+      <p:sp>
+        <p:nvSpPr>
+          <p:cNvPr id="2" name="Rectángulo 1">
+            <a:extLst>
+              <a:ext uri="{FF2B5EF4-FFF2-40B4-BE49-F238E27FC236}">
+                <a16:creationId xmlns:a16="http://schemas.microsoft.com/office/drawing/2014/main" id="{593243BA-3078-4B14-95B9-6C4F23675CF9}"/>
+              </a:ext>
+            </a:extLst>
+          </p:cNvPr>
+          <p:cNvSpPr/>
+          <p:nvPr/>
+        </p:nvSpPr>
+        <p:spPr>
+          <a:xfrm>
+            <a:off x="1890853" y="2967335"/>
+            <a:ext cx="5362302" cy="923330"/>
+          </a:xfrm>
+          <a:prstGeom prst="rect">
+            <a:avLst/>
+          </a:prstGeom>
+          <a:noFill/>
+        </p:spPr>
+        <p:txBody>
+          <a:bodyPr wrap="none" lIns="91440" tIns="45720" rIns="91440" bIns="45720">
+            <a:spAutoFit/>
+          </a:bodyPr>
+          <a:lstStyle/>
+          <a:p>
+            <a:pPr algn="ctr"/>
+            <a:r>
+              <a:rPr lang="es-ES" sz="5400" b="1" dirty="0">
+                <a:ln w="9525">
+                  <a:solidFill>
+                    <a:schemeClr val="bg1"/>
+                  </a:solidFill>
+                  <a:prstDash val="solid"/>
+                </a:ln>
+                <a:effectLst>
+                  <a:outerShdw blurRad="12700" dist="38100" dir="2700000" algn="tl" rotWithShape="0">
+                    <a:schemeClr val="bg1">
+                      <a:lumMod val="50000"/>
+                    </a:schemeClr>
+                  </a:outerShdw>
+                </a:effectLst>
+              </a:rPr>
+              <a:t>Cuestionamientos</a:t>
+            </a:r>
           </a:p>
         </p:txBody>
       </p:sp>
@@ -5663,9 +5779,18 @@
   <p:clrMapOvr>
     <a:masterClrMapping/>
   </p:clrMapOvr>
-  <p:transition spd="slow">
-    <p:wipe dir="r"/>
-  </p:transition>
+  <mc:AlternateContent xmlns:mc="http://schemas.openxmlformats.org/markup-compatibility/2006">
+    <mc:Choice xmlns:p14="http://schemas.microsoft.com/office/powerpoint/2010/main" Requires="p14">
+      <p:transition spd="slow" p14:dur="1500">
+        <p:split orient="vert"/>
+      </p:transition>
+    </mc:Choice>
+    <mc:Fallback>
+      <p:transition spd="slow">
+        <p:split orient="vert"/>
+      </p:transition>
+    </mc:Fallback>
+  </mc:AlternateContent>
 </p:sld>
 </file>
 
@@ -5840,6 +5965,132 @@
           </a:p>
         </p:txBody>
       </p:sp>
+      <p:sp>
+        <p:nvSpPr>
+          <p:cNvPr id="3" name="Rectángulo 2">
+            <a:extLst>
+              <a:ext uri="{FF2B5EF4-FFF2-40B4-BE49-F238E27FC236}">
+                <a16:creationId xmlns:a16="http://schemas.microsoft.com/office/drawing/2014/main" id="{0D4D876D-2894-4D88-9CF1-832FA6879EBA}"/>
+              </a:ext>
+            </a:extLst>
+          </p:cNvPr>
+          <p:cNvSpPr/>
+          <p:nvPr/>
+        </p:nvSpPr>
+        <p:spPr>
+          <a:xfrm>
+            <a:off x="2000549" y="1154376"/>
+            <a:ext cx="4550477" cy="923330"/>
+          </a:xfrm>
+          <a:prstGeom prst="rect">
+            <a:avLst/>
+          </a:prstGeom>
+          <a:noFill/>
+        </p:spPr>
+        <p:txBody>
+          <a:bodyPr wrap="none" lIns="91440" tIns="45720" rIns="91440" bIns="45720">
+            <a:spAutoFit/>
+          </a:bodyPr>
+          <a:lstStyle/>
+          <a:p>
+            <a:pPr algn="ctr"/>
+            <a:r>
+              <a:rPr lang="es-ES" sz="5400" b="1" dirty="0">
+                <a:ln w="12700">
+                  <a:solidFill>
+                    <a:schemeClr val="tx2">
+                      <a:lumMod val="75000"/>
+                    </a:schemeClr>
+                  </a:solidFill>
+                  <a:prstDash val="solid"/>
+                </a:ln>
+                <a:pattFill prst="dkUpDiag">
+                  <a:fgClr>
+                    <a:schemeClr val="tx2"/>
+                  </a:fgClr>
+                  <a:bgClr>
+                    <a:schemeClr val="tx2">
+                      <a:lumMod val="20000"/>
+                      <a:lumOff val="80000"/>
+                    </a:schemeClr>
+                  </a:bgClr>
+                </a:pattFill>
+                <a:effectLst>
+                  <a:outerShdw dist="38100" dir="2640000" algn="bl" rotWithShape="0">
+                    <a:schemeClr val="tx2">
+                      <a:lumMod val="75000"/>
+                    </a:schemeClr>
+                  </a:outerShdw>
+                </a:effectLst>
+              </a:rPr>
+              <a:t>Ideas Centrales</a:t>
+            </a:r>
+          </a:p>
+        </p:txBody>
+      </p:sp>
+      <p:sp>
+        <p:nvSpPr>
+          <p:cNvPr id="7" name="Rectángulo 6">
+            <a:extLst>
+              <a:ext uri="{FF2B5EF4-FFF2-40B4-BE49-F238E27FC236}">
+                <a16:creationId xmlns:a16="http://schemas.microsoft.com/office/drawing/2014/main" id="{6D40454D-C0AF-45D9-99F1-E89DFB63D5B5}"/>
+              </a:ext>
+            </a:extLst>
+          </p:cNvPr>
+          <p:cNvSpPr/>
+          <p:nvPr/>
+        </p:nvSpPr>
+        <p:spPr>
+          <a:xfrm>
+            <a:off x="1764682" y="3717529"/>
+            <a:ext cx="5022209" cy="923330"/>
+          </a:xfrm>
+          <a:prstGeom prst="rect">
+            <a:avLst/>
+          </a:prstGeom>
+          <a:noFill/>
+        </p:spPr>
+        <p:txBody>
+          <a:bodyPr wrap="none" lIns="91440" tIns="45720" rIns="91440" bIns="45720">
+            <a:spAutoFit/>
+          </a:bodyPr>
+          <a:lstStyle/>
+          <a:p>
+            <a:pPr algn="ctr"/>
+            <a:r>
+              <a:rPr lang="es-ES" sz="5400" b="1" dirty="0">
+                <a:ln w="12700">
+                  <a:solidFill>
+                    <a:schemeClr val="tx2">
+                      <a:lumMod val="75000"/>
+                    </a:schemeClr>
+                  </a:solidFill>
+                  <a:prstDash val="solid"/>
+                </a:ln>
+                <a:pattFill prst="dkUpDiag">
+                  <a:fgClr>
+                    <a:schemeClr val="tx2"/>
+                  </a:fgClr>
+                  <a:bgClr>
+                    <a:schemeClr val="tx2">
+                      <a:lumMod val="20000"/>
+                      <a:lumOff val="80000"/>
+                    </a:schemeClr>
+                  </a:bgClr>
+                </a:pattFill>
+                <a:effectLst>
+                  <a:outerShdw dist="38100" dir="2640000" algn="bl" rotWithShape="0">
+                    <a:schemeClr val="tx2">
+                      <a:lumMod val="75000"/>
+                    </a:schemeClr>
+                  </a:outerShdw>
+                </a:effectLst>
+              </a:rPr>
+              <a:t>Descubrimientos</a:t>
+            </a:r>
+          </a:p>
+        </p:txBody>
+      </p:sp>
     </p:spTree>
     <p:extLst>
       <p:ext uri="{BB962C8B-B14F-4D97-AF65-F5344CB8AC3E}">
@@ -5851,17 +6102,610 @@
     <a:masterClrMapping/>
   </p:clrMapOvr>
   <mc:AlternateContent xmlns:mc="http://schemas.openxmlformats.org/markup-compatibility/2006">
-    <mc:Choice xmlns:p14="http://schemas.microsoft.com/office/powerpoint/2010/main" Requires="p14">
-      <p:transition spd="slow" p14:dur="1500">
-        <p:split orient="vert"/>
+    <mc:Choice xmlns:p15="http://schemas.microsoft.com/office/powerpoint/2012/main" Requires="p15">
+      <p:transition xmlns:p14="http://schemas.microsoft.com/office/powerpoint/2010/main" spd="slow" p14:dur="6000">
+        <p15:prstTrans prst="curtains"/>
       </p:transition>
     </mc:Choice>
     <mc:Fallback>
       <p:transition spd="slow">
-        <p:split orient="vert"/>
+        <p:fade/>
       </p:transition>
     </mc:Fallback>
   </mc:AlternateContent>
+</p:sld>
+</file>
+
+<file path=ppt/slides/slide4.xml><?xml version="1.0" encoding="utf-8"?>
+<p:sld xmlns:a="http://schemas.openxmlformats.org/drawingml/2006/main" xmlns:r="http://schemas.openxmlformats.org/officeDocument/2006/relationships" xmlns:p="http://schemas.openxmlformats.org/presentationml/2006/main">
+  <p:cSld>
+    <p:spTree>
+      <p:nvGrpSpPr>
+        <p:cNvPr id="1" name=""/>
+        <p:cNvGrpSpPr/>
+        <p:nvPr/>
+      </p:nvGrpSpPr>
+      <p:grpSpPr>
+        <a:xfrm>
+          <a:off x="0" y="0"/>
+          <a:ext cx="0" cy="0"/>
+          <a:chOff x="0" y="0"/>
+          <a:chExt cx="0" cy="0"/>
+        </a:xfrm>
+      </p:grpSpPr>
+      <p:sp>
+        <p:nvSpPr>
+          <p:cNvPr id="5" name="Rectángulo 4">
+            <a:extLst>
+              <a:ext uri="{FF2B5EF4-FFF2-40B4-BE49-F238E27FC236}">
+                <a16:creationId xmlns:a16="http://schemas.microsoft.com/office/drawing/2014/main" id="{094A6736-35AD-441B-9AE8-0B811CA4A999}"/>
+              </a:ext>
+            </a:extLst>
+          </p:cNvPr>
+          <p:cNvSpPr/>
+          <p:nvPr/>
+        </p:nvSpPr>
+        <p:spPr>
+          <a:xfrm>
+            <a:off x="-1" y="0"/>
+            <a:ext cx="9144001" cy="6858000"/>
+          </a:xfrm>
+          <a:prstGeom prst="rect">
+            <a:avLst/>
+          </a:prstGeom>
+          <a:blipFill>
+            <a:blip r:embed="rId2"/>
+            <a:stretch>
+              <a:fillRect b="-8452"/>
+            </a:stretch>
+          </a:blipFill>
+          <a:ln>
+            <a:noFill/>
+          </a:ln>
+        </p:spPr>
+        <p:style>
+          <a:lnRef idx="2">
+            <a:schemeClr val="accent1">
+              <a:shade val="50000"/>
+            </a:schemeClr>
+          </a:lnRef>
+          <a:fillRef idx="1">
+            <a:schemeClr val="accent1"/>
+          </a:fillRef>
+          <a:effectRef idx="0">
+            <a:schemeClr val="accent1"/>
+          </a:effectRef>
+          <a:fontRef idx="minor">
+            <a:schemeClr val="lt1"/>
+          </a:fontRef>
+        </p:style>
+        <p:txBody>
+          <a:bodyPr rtlCol="0" anchor="ctr"/>
+          <a:lstStyle/>
+          <a:p>
+            <a:br>
+              <a:rPr lang="es-ES" sz="1500" dirty="0">
+                <a:solidFill>
+                  <a:schemeClr val="tx1"/>
+                </a:solidFill>
+                <a:latin typeface="Times New Roman" panose="02020603050405020304" pitchFamily="18" charset="0"/>
+              </a:rPr>
+            </a:br>
+            <a:endParaRPr lang="es-CO" sz="1500" u="sng" dirty="0">
+              <a:solidFill>
+                <a:schemeClr val="tx1"/>
+              </a:solidFill>
+            </a:endParaRPr>
+          </a:p>
+        </p:txBody>
+      </p:sp>
+      <p:sp>
+        <p:nvSpPr>
+          <p:cNvPr id="6" name="Rectángulo 5">
+            <a:extLst>
+              <a:ext uri="{FF2B5EF4-FFF2-40B4-BE49-F238E27FC236}">
+                <a16:creationId xmlns:a16="http://schemas.microsoft.com/office/drawing/2014/main" id="{1D7BAA42-1A8A-43C8-B209-D1AFAA845598}"/>
+              </a:ext>
+            </a:extLst>
+          </p:cNvPr>
+          <p:cNvSpPr/>
+          <p:nvPr/>
+        </p:nvSpPr>
+        <p:spPr>
+          <a:xfrm>
+            <a:off x="-1" y="0"/>
+            <a:ext cx="9144001" cy="6858000"/>
+          </a:xfrm>
+          <a:prstGeom prst="rect">
+            <a:avLst/>
+          </a:prstGeom>
+          <a:gradFill flip="none" rotWithShape="1">
+            <a:gsLst>
+              <a:gs pos="0">
+                <a:schemeClr val="accent1">
+                  <a:lumMod val="0"/>
+                  <a:lumOff val="100000"/>
+                  <a:alpha val="60000"/>
+                </a:schemeClr>
+              </a:gs>
+              <a:gs pos="35000">
+                <a:schemeClr val="accent1">
+                  <a:lumMod val="0"/>
+                  <a:lumOff val="100000"/>
+                  <a:alpha val="96000"/>
+                </a:schemeClr>
+              </a:gs>
+              <a:gs pos="100000">
+                <a:schemeClr val="accent1">
+                  <a:lumMod val="100000"/>
+                  <a:alpha val="80000"/>
+                </a:schemeClr>
+              </a:gs>
+            </a:gsLst>
+            <a:path path="circle">
+              <a:fillToRect l="50000" t="-80000" r="50000" b="180000"/>
+            </a:path>
+            <a:tileRect/>
+          </a:gradFill>
+          <a:ln>
+            <a:noFill/>
+          </a:ln>
+        </p:spPr>
+        <p:style>
+          <a:lnRef idx="2">
+            <a:schemeClr val="accent1">
+              <a:shade val="50000"/>
+            </a:schemeClr>
+          </a:lnRef>
+          <a:fillRef idx="1">
+            <a:schemeClr val="accent1"/>
+          </a:fillRef>
+          <a:effectRef idx="0">
+            <a:schemeClr val="accent1"/>
+          </a:effectRef>
+          <a:fontRef idx="minor">
+            <a:schemeClr val="lt1"/>
+          </a:fontRef>
+        </p:style>
+        <p:txBody>
+          <a:bodyPr rtlCol="0" anchor="ctr"/>
+          <a:lstStyle/>
+          <a:p>
+            <a:br>
+              <a:rPr lang="es-ES" sz="1500" dirty="0">
+                <a:solidFill>
+                  <a:schemeClr val="tx1"/>
+                </a:solidFill>
+                <a:latin typeface="Times New Roman" panose="02020603050405020304" pitchFamily="18" charset="0"/>
+              </a:rPr>
+            </a:br>
+            <a:endParaRPr lang="es-CO" sz="1500" dirty="0">
+              <a:solidFill>
+                <a:schemeClr val="tx1"/>
+              </a:solidFill>
+            </a:endParaRPr>
+          </a:p>
+        </p:txBody>
+      </p:sp>
+      <p:sp>
+        <p:nvSpPr>
+          <p:cNvPr id="2" name="Rectángulo 1">
+            <a:extLst>
+              <a:ext uri="{FF2B5EF4-FFF2-40B4-BE49-F238E27FC236}">
+                <a16:creationId xmlns:a16="http://schemas.microsoft.com/office/drawing/2014/main" id="{9F8444C0-F710-472A-9C70-1DBC4D384D1D}"/>
+              </a:ext>
+            </a:extLst>
+          </p:cNvPr>
+          <p:cNvSpPr/>
+          <p:nvPr/>
+        </p:nvSpPr>
+        <p:spPr>
+          <a:xfrm>
+            <a:off x="909619" y="3219718"/>
+            <a:ext cx="7324762" cy="2516000"/>
+          </a:xfrm>
+          <a:prstGeom prst="rect">
+            <a:avLst/>
+          </a:prstGeom>
+          <a:noFill/>
+        </p:spPr>
+        <p:txBody>
+          <a:bodyPr wrap="none" lIns="91440" tIns="45720" rIns="91440" bIns="45720">
+            <a:prstTxWarp prst="textArchUp">
+              <a:avLst/>
+            </a:prstTxWarp>
+            <a:spAutoFit/>
+          </a:bodyPr>
+          <a:lstStyle/>
+          <a:p>
+            <a:pPr algn="ctr"/>
+            <a:r>
+              <a:rPr lang="es-ES" sz="5400" b="1" cap="none" spc="0" dirty="0">
+                <a:ln w="9525">
+                  <a:solidFill>
+                    <a:schemeClr val="bg1"/>
+                  </a:solidFill>
+                  <a:prstDash val="solid"/>
+                </a:ln>
+                <a:solidFill>
+                  <a:schemeClr val="tx1"/>
+                </a:solidFill>
+                <a:effectLst>
+                  <a:outerShdw blurRad="12700" dist="38100" dir="2700000" algn="tl" rotWithShape="0">
+                    <a:schemeClr val="bg1">
+                      <a:lumMod val="50000"/>
+                    </a:schemeClr>
+                  </a:outerShdw>
+                </a:effectLst>
+              </a:rPr>
+              <a:t>Gracias por su atención!</a:t>
+            </a:r>
+          </a:p>
+          <a:p>
+            <a:pPr algn="ctr"/>
+            <a:endParaRPr lang="es-ES" sz="3200" b="1" cap="none" spc="0" dirty="0">
+              <a:ln w="9525">
+                <a:solidFill>
+                  <a:schemeClr val="bg1"/>
+                </a:solidFill>
+                <a:prstDash val="solid"/>
+              </a:ln>
+              <a:solidFill>
+                <a:schemeClr val="tx1"/>
+              </a:solidFill>
+              <a:effectLst>
+                <a:outerShdw blurRad="12700" dist="38100" dir="2700000" algn="tl" rotWithShape="0">
+                  <a:schemeClr val="bg1">
+                    <a:lumMod val="50000"/>
+                  </a:schemeClr>
+                </a:outerShdw>
+              </a:effectLst>
+            </a:endParaRPr>
+          </a:p>
+          <a:p>
+            <a:pPr algn="ctr"/>
+            <a:r>
+              <a:rPr lang="es-ES" sz="5400" b="1" cap="none" spc="0" dirty="0" err="1">
+                <a:ln w="9525">
+                  <a:solidFill>
+                    <a:schemeClr val="bg1"/>
+                  </a:solidFill>
+                  <a:prstDash val="solid"/>
+                </a:ln>
+                <a:solidFill>
+                  <a:schemeClr val="tx1"/>
+                </a:solidFill>
+                <a:effectLst>
+                  <a:outerShdw blurRad="12700" dist="38100" dir="2700000" algn="tl" rotWithShape="0">
+                    <a:schemeClr val="bg1">
+                      <a:lumMod val="50000"/>
+                    </a:schemeClr>
+                  </a:outerShdw>
+                </a:effectLst>
+              </a:rPr>
+              <a:t>Thank</a:t>
+            </a:r>
+            <a:r>
+              <a:rPr lang="es-ES" sz="5400" b="1" cap="none" spc="0" dirty="0">
+                <a:ln w="9525">
+                  <a:solidFill>
+                    <a:schemeClr val="bg1"/>
+                  </a:solidFill>
+                  <a:prstDash val="solid"/>
+                </a:ln>
+                <a:solidFill>
+                  <a:schemeClr val="tx1"/>
+                </a:solidFill>
+                <a:effectLst>
+                  <a:outerShdw blurRad="12700" dist="38100" dir="2700000" algn="tl" rotWithShape="0">
+                    <a:schemeClr val="bg1">
+                      <a:lumMod val="50000"/>
+                    </a:schemeClr>
+                  </a:outerShdw>
+                </a:effectLst>
+              </a:rPr>
+              <a:t> </a:t>
+            </a:r>
+            <a:r>
+              <a:rPr lang="es-ES" sz="5400" b="1" cap="none" spc="0" dirty="0" err="1">
+                <a:ln w="9525">
+                  <a:solidFill>
+                    <a:schemeClr val="bg1"/>
+                  </a:solidFill>
+                  <a:prstDash val="solid"/>
+                </a:ln>
+                <a:solidFill>
+                  <a:schemeClr val="tx1"/>
+                </a:solidFill>
+                <a:effectLst>
+                  <a:outerShdw blurRad="12700" dist="38100" dir="2700000" algn="tl" rotWithShape="0">
+                    <a:schemeClr val="bg1">
+                      <a:lumMod val="50000"/>
+                    </a:schemeClr>
+                  </a:outerShdw>
+                </a:effectLst>
+              </a:rPr>
+              <a:t>you</a:t>
+            </a:r>
+            <a:r>
+              <a:rPr lang="es-ES" sz="5400" b="1" cap="none" spc="0" dirty="0">
+                <a:ln w="9525">
+                  <a:solidFill>
+                    <a:schemeClr val="bg1"/>
+                  </a:solidFill>
+                  <a:prstDash val="solid"/>
+                </a:ln>
+                <a:solidFill>
+                  <a:schemeClr val="tx1"/>
+                </a:solidFill>
+                <a:effectLst>
+                  <a:outerShdw blurRad="12700" dist="38100" dir="2700000" algn="tl" rotWithShape="0">
+                    <a:schemeClr val="bg1">
+                      <a:lumMod val="50000"/>
+                    </a:schemeClr>
+                  </a:outerShdw>
+                </a:effectLst>
+              </a:rPr>
+              <a:t> </a:t>
+            </a:r>
+            <a:r>
+              <a:rPr lang="es-ES" sz="5400" b="1" cap="none" spc="0" dirty="0" err="1">
+                <a:ln w="9525">
+                  <a:solidFill>
+                    <a:schemeClr val="bg1"/>
+                  </a:solidFill>
+                  <a:prstDash val="solid"/>
+                </a:ln>
+                <a:solidFill>
+                  <a:schemeClr val="tx1"/>
+                </a:solidFill>
+                <a:effectLst>
+                  <a:outerShdw blurRad="12700" dist="38100" dir="2700000" algn="tl" rotWithShape="0">
+                    <a:schemeClr val="bg1">
+                      <a:lumMod val="50000"/>
+                    </a:schemeClr>
+                  </a:outerShdw>
+                </a:effectLst>
+              </a:rPr>
+              <a:t>for</a:t>
+            </a:r>
+            <a:r>
+              <a:rPr lang="es-ES" sz="5400" b="1" cap="none" spc="0" dirty="0">
+                <a:ln w="9525">
+                  <a:solidFill>
+                    <a:schemeClr val="bg1"/>
+                  </a:solidFill>
+                  <a:prstDash val="solid"/>
+                </a:ln>
+                <a:solidFill>
+                  <a:schemeClr val="tx1"/>
+                </a:solidFill>
+                <a:effectLst>
+                  <a:outerShdw blurRad="12700" dist="38100" dir="2700000" algn="tl" rotWithShape="0">
+                    <a:schemeClr val="bg1">
+                      <a:lumMod val="50000"/>
+                    </a:schemeClr>
+                  </a:outerShdw>
+                </a:effectLst>
+              </a:rPr>
+              <a:t> </a:t>
+            </a:r>
+            <a:r>
+              <a:rPr lang="es-ES" sz="5400" b="1" cap="none" spc="0" dirty="0" err="1">
+                <a:ln w="9525">
+                  <a:solidFill>
+                    <a:schemeClr val="bg1"/>
+                  </a:solidFill>
+                  <a:prstDash val="solid"/>
+                </a:ln>
+                <a:solidFill>
+                  <a:schemeClr val="tx1"/>
+                </a:solidFill>
+                <a:effectLst>
+                  <a:outerShdw blurRad="12700" dist="38100" dir="2700000" algn="tl" rotWithShape="0">
+                    <a:schemeClr val="bg1">
+                      <a:lumMod val="50000"/>
+                    </a:schemeClr>
+                  </a:outerShdw>
+                </a:effectLst>
+              </a:rPr>
+              <a:t>your</a:t>
+            </a:r>
+            <a:r>
+              <a:rPr lang="es-ES" sz="5400" b="1" cap="none" spc="0" dirty="0">
+                <a:ln w="9525">
+                  <a:solidFill>
+                    <a:schemeClr val="bg1"/>
+                  </a:solidFill>
+                  <a:prstDash val="solid"/>
+                </a:ln>
+                <a:solidFill>
+                  <a:schemeClr val="tx1"/>
+                </a:solidFill>
+                <a:effectLst>
+                  <a:outerShdw blurRad="12700" dist="38100" dir="2700000" algn="tl" rotWithShape="0">
+                    <a:schemeClr val="bg1">
+                      <a:lumMod val="50000"/>
+                    </a:schemeClr>
+                  </a:outerShdw>
+                </a:effectLst>
+              </a:rPr>
+              <a:t> time!</a:t>
+            </a:r>
+          </a:p>
+        </p:txBody>
+      </p:sp>
+    </p:spTree>
+    <p:extLst>
+      <p:ext uri="{BB962C8B-B14F-4D97-AF65-F5344CB8AC3E}">
+        <p14:creationId xmlns:p14="http://schemas.microsoft.com/office/powerpoint/2010/main" val="1285138896"/>
+      </p:ext>
+    </p:extLst>
+  </p:cSld>
+  <p:clrMapOvr>
+    <a:masterClrMapping/>
+  </p:clrMapOvr>
+  <mc:AlternateContent xmlns:mc="http://schemas.openxmlformats.org/markup-compatibility/2006">
+    <mc:Choice xmlns:p14="http://schemas.microsoft.com/office/powerpoint/2010/main" Requires="p14">
+      <p:transition spd="slow" p14:dur="1600">
+        <p:blinds dir="vert"/>
+      </p:transition>
+    </mc:Choice>
+    <mc:Fallback>
+      <p:transition spd="slow">
+        <p:blinds dir="vert"/>
+      </p:transition>
+    </mc:Fallback>
+  </mc:AlternateContent>
+  <p:timing>
+    <p:tnLst>
+      <p:par>
+        <p:cTn id="1" dur="indefinite" restart="never" nodeType="tmRoot">
+          <p:childTnLst>
+            <p:seq concurrent="1" nextAc="seek">
+              <p:cTn id="2" dur="indefinite" nodeType="mainSeq">
+                <p:childTnLst>
+                  <p:par>
+                    <p:cTn id="3" fill="hold">
+                      <p:stCondLst>
+                        <p:cond delay="indefinite"/>
+                        <p:cond evt="onBegin" delay="0">
+                          <p:tn val="2"/>
+                        </p:cond>
+                      </p:stCondLst>
+                      <p:childTnLst>
+                        <p:par>
+                          <p:cTn id="4" fill="hold">
+                            <p:stCondLst>
+                              <p:cond delay="0"/>
+                            </p:stCondLst>
+                            <p:childTnLst>
+                              <p:par>
+                                <p:cTn id="5" presetID="22" presetClass="entr" presetSubtype="8" fill="hold" grpId="0" nodeType="afterEffect">
+                                  <p:stCondLst>
+                                    <p:cond delay="0"/>
+                                  </p:stCondLst>
+                                  <p:childTnLst>
+                                    <p:set>
+                                      <p:cBhvr>
+                                        <p:cTn id="6" dur="1" fill="hold">
+                                          <p:stCondLst>
+                                            <p:cond delay="0"/>
+                                          </p:stCondLst>
+                                        </p:cTn>
+                                        <p:tgtEl>
+                                          <p:spTgt spid="2">
+                                            <p:txEl>
+                                              <p:pRg st="0" end="0"/>
+                                            </p:txEl>
+                                          </p:spTgt>
+                                        </p:tgtEl>
+                                        <p:attrNameLst>
+                                          <p:attrName>style.visibility</p:attrName>
+                                        </p:attrNameLst>
+                                      </p:cBhvr>
+                                      <p:to>
+                                        <p:strVal val="visible"/>
+                                      </p:to>
+                                    </p:set>
+                                    <p:animEffect transition="in" filter="wipe(left)">
+                                      <p:cBhvr>
+                                        <p:cTn id="7" dur="500"/>
+                                        <p:tgtEl>
+                                          <p:spTgt spid="2">
+                                            <p:txEl>
+                                              <p:pRg st="0" end="0"/>
+                                            </p:txEl>
+                                          </p:spTgt>
+                                        </p:tgtEl>
+                                      </p:cBhvr>
+                                    </p:animEffect>
+                                  </p:childTnLst>
+                                </p:cTn>
+                              </p:par>
+                            </p:childTnLst>
+                          </p:cTn>
+                        </p:par>
+                        <p:par>
+                          <p:cTn id="8" fill="hold">
+                            <p:stCondLst>
+                              <p:cond delay="500"/>
+                            </p:stCondLst>
+                            <p:childTnLst>
+                              <p:par>
+                                <p:cTn id="9" presetID="22" presetClass="entr" presetSubtype="8" fill="hold" grpId="0" nodeType="afterEffect">
+                                  <p:stCondLst>
+                                    <p:cond delay="0"/>
+                                  </p:stCondLst>
+                                  <p:childTnLst>
+                                    <p:set>
+                                      <p:cBhvr>
+                                        <p:cTn id="10" dur="1" fill="hold">
+                                          <p:stCondLst>
+                                            <p:cond delay="0"/>
+                                          </p:stCondLst>
+                                        </p:cTn>
+                                        <p:tgtEl>
+                                          <p:spTgt spid="2">
+                                            <p:txEl>
+                                              <p:pRg st="2" end="2"/>
+                                            </p:txEl>
+                                          </p:spTgt>
+                                        </p:tgtEl>
+                                        <p:attrNameLst>
+                                          <p:attrName>style.visibility</p:attrName>
+                                        </p:attrNameLst>
+                                      </p:cBhvr>
+                                      <p:to>
+                                        <p:strVal val="visible"/>
+                                      </p:to>
+                                    </p:set>
+                                    <p:animEffect transition="in" filter="wipe(left)">
+                                      <p:cBhvr>
+                                        <p:cTn id="11" dur="500"/>
+                                        <p:tgtEl>
+                                          <p:spTgt spid="2">
+                                            <p:txEl>
+                                              <p:pRg st="2" end="2"/>
+                                            </p:txEl>
+                                          </p:spTgt>
+                                        </p:tgtEl>
+                                      </p:cBhvr>
+                                    </p:animEffect>
+                                  </p:childTnLst>
+                                </p:cTn>
+                              </p:par>
+                            </p:childTnLst>
+                          </p:cTn>
+                        </p:par>
+                      </p:childTnLst>
+                    </p:cTn>
+                  </p:par>
+                </p:childTnLst>
+              </p:cTn>
+              <p:prevCondLst>
+                <p:cond evt="onPrev" delay="0">
+                  <p:tgtEl>
+                    <p:sldTgt/>
+                  </p:tgtEl>
+                </p:cond>
+              </p:prevCondLst>
+              <p:nextCondLst>
+                <p:cond evt="onNext" delay="0">
+                  <p:tgtEl>
+                    <p:sldTgt/>
+                  </p:tgtEl>
+                </p:cond>
+              </p:nextCondLst>
+            </p:seq>
+          </p:childTnLst>
+        </p:cTn>
+      </p:par>
+    </p:tnLst>
+    <p:bldLst>
+      <p:bldP spid="2" grpId="0" build="p"/>
+    </p:bldLst>
+  </p:timing>
 </p:sld>
 </file>
 

--- a/Presentacion1.pptx
+++ b/Presentacion1.pptx
@@ -8,7 +8,8 @@
     <p:sldId id="257" r:id="rId2"/>
     <p:sldId id="258" r:id="rId3"/>
     <p:sldId id="259" r:id="rId4"/>
-    <p:sldId id="260" r:id="rId5"/>
+    <p:sldId id="261" r:id="rId5"/>
+    <p:sldId id="260" r:id="rId6"/>
   </p:sldIdLst>
   <p:sldSz cx="9144000" cy="6858000" type="screen4x3"/>
   <p:notesSz cx="6858000" cy="9144000"/>
@@ -5733,8 +5734,8 @@
         </p:nvSpPr>
         <p:spPr>
           <a:xfrm>
-            <a:off x="1890853" y="2967335"/>
-            <a:ext cx="5362302" cy="923330"/>
+            <a:off x="1619171" y="21984"/>
+            <a:ext cx="5905656" cy="923330"/>
           </a:xfrm>
           <a:prstGeom prst="rect">
             <a:avLst/>
@@ -5763,9 +5764,273 @@
                     </a:schemeClr>
                   </a:outerShdw>
                 </a:effectLst>
+                <a:latin typeface="Cambria" panose="02040503050406030204" pitchFamily="18" charset="0"/>
+                <a:ea typeface="Cambria" panose="02040503050406030204" pitchFamily="18" charset="0"/>
               </a:rPr>
               <a:t>Cuestionamientos</a:t>
             </a:r>
+          </a:p>
+        </p:txBody>
+      </p:sp>
+      <p:sp>
+        <p:nvSpPr>
+          <p:cNvPr id="4" name="CuadroTexto 3">
+            <a:extLst>
+              <a:ext uri="{FF2B5EF4-FFF2-40B4-BE49-F238E27FC236}">
+                <a16:creationId xmlns:a16="http://schemas.microsoft.com/office/drawing/2014/main" id="{2F668B77-1892-4334-AF94-CBAB17472AB8}"/>
+              </a:ext>
+            </a:extLst>
+          </p:cNvPr>
+          <p:cNvSpPr txBox="1"/>
+          <p:nvPr/>
+        </p:nvSpPr>
+        <p:spPr>
+          <a:xfrm>
+            <a:off x="0" y="945314"/>
+            <a:ext cx="9028086" cy="6001643"/>
+          </a:xfrm>
+          <a:prstGeom prst="rect">
+            <a:avLst/>
+          </a:prstGeom>
+          <a:noFill/>
+        </p:spPr>
+        <p:txBody>
+          <a:bodyPr wrap="square" rtlCol="0">
+            <a:spAutoFit/>
+          </a:bodyPr>
+          <a:lstStyle/>
+          <a:p>
+            <a:pPr marL="457200" indent="-457200">
+              <a:buFont typeface="+mj-lt"/>
+              <a:buAutoNum type="arabicPeriod"/>
+            </a:pPr>
+            <a:r>
+              <a:rPr lang="es-ES" sz="2400" b="0" i="0" dirty="0">
+                <a:solidFill>
+                  <a:schemeClr val="tx2">
+                    <a:lumMod val="50000"/>
+                  </a:schemeClr>
+                </a:solidFill>
+                <a:effectLst/>
+                <a:latin typeface="Arial" panose="020B0604020202020204" pitchFamily="34" charset="0"/>
+                <a:cs typeface="Arial" panose="020B0604020202020204" pitchFamily="34" charset="0"/>
+              </a:rPr>
+              <a:t>¿Cómo el Gato con Botas logró entrar en el castillo del Ogro?</a:t>
+            </a:r>
+          </a:p>
+          <a:p>
+            <a:pPr marL="457200" indent="-457200">
+              <a:buFont typeface="+mj-lt"/>
+              <a:buAutoNum type="arabicPeriod"/>
+            </a:pPr>
+            <a:endParaRPr lang="es-ES" sz="2000" dirty="0">
+              <a:solidFill>
+                <a:schemeClr val="tx2">
+                  <a:lumMod val="50000"/>
+                </a:schemeClr>
+              </a:solidFill>
+              <a:latin typeface="Arial" panose="020B0604020202020204" pitchFamily="34" charset="0"/>
+              <a:cs typeface="Arial" panose="020B0604020202020204" pitchFamily="34" charset="0"/>
+            </a:endParaRPr>
+          </a:p>
+          <a:p>
+            <a:pPr marL="457200" indent="-457200">
+              <a:buFont typeface="+mj-lt"/>
+              <a:buAutoNum type="arabicPeriod"/>
+            </a:pPr>
+            <a:r>
+              <a:rPr lang="es-ES" sz="2400" b="0" i="0" dirty="0">
+                <a:solidFill>
+                  <a:schemeClr val="tx2">
+                    <a:lumMod val="50000"/>
+                  </a:schemeClr>
+                </a:solidFill>
+                <a:effectLst/>
+                <a:latin typeface="Arial" panose="020B0604020202020204" pitchFamily="34" charset="0"/>
+                <a:cs typeface="Arial" panose="020B0604020202020204" pitchFamily="34" charset="0"/>
+              </a:rPr>
+              <a:t>¿Cómo el Gato con Botas logró vencer al Ogro? </a:t>
+            </a:r>
+          </a:p>
+          <a:p>
+            <a:pPr marL="457200" indent="-457200">
+              <a:buFont typeface="+mj-lt"/>
+              <a:buAutoNum type="arabicPeriod"/>
+            </a:pPr>
+            <a:endParaRPr lang="es-ES" sz="2000" dirty="0">
+              <a:solidFill>
+                <a:schemeClr val="tx2">
+                  <a:lumMod val="50000"/>
+                </a:schemeClr>
+              </a:solidFill>
+              <a:latin typeface="Arial" panose="020B0604020202020204" pitchFamily="34" charset="0"/>
+              <a:cs typeface="Arial" panose="020B0604020202020204" pitchFamily="34" charset="0"/>
+            </a:endParaRPr>
+          </a:p>
+          <a:p>
+            <a:pPr marL="457200" indent="-457200">
+              <a:buFont typeface="+mj-lt"/>
+              <a:buAutoNum type="arabicPeriod"/>
+            </a:pPr>
+            <a:r>
+              <a:rPr lang="es-ES" sz="2400" b="0" i="0" dirty="0">
+                <a:solidFill>
+                  <a:schemeClr val="tx2">
+                    <a:lumMod val="50000"/>
+                  </a:schemeClr>
+                </a:solidFill>
+                <a:effectLst/>
+                <a:latin typeface="Arial" panose="020B0604020202020204" pitchFamily="34" charset="0"/>
+                <a:cs typeface="Arial" panose="020B0604020202020204" pitchFamily="34" charset="0"/>
+              </a:rPr>
+              <a:t>¿Cuál era el verdadero plan del Gato con Botas? </a:t>
+            </a:r>
+          </a:p>
+          <a:p>
+            <a:pPr marL="457200" indent="-457200">
+              <a:buFont typeface="+mj-lt"/>
+              <a:buAutoNum type="arabicPeriod"/>
+            </a:pPr>
+            <a:endParaRPr lang="es-ES" sz="2000" dirty="0">
+              <a:solidFill>
+                <a:schemeClr val="tx2">
+                  <a:lumMod val="50000"/>
+                </a:schemeClr>
+              </a:solidFill>
+              <a:latin typeface="Arial" panose="020B0604020202020204" pitchFamily="34" charset="0"/>
+              <a:cs typeface="Arial" panose="020B0604020202020204" pitchFamily="34" charset="0"/>
+            </a:endParaRPr>
+          </a:p>
+          <a:p>
+            <a:pPr marL="457200" indent="-457200">
+              <a:buFont typeface="+mj-lt"/>
+              <a:buAutoNum type="arabicPeriod"/>
+            </a:pPr>
+            <a:r>
+              <a:rPr lang="es-ES" sz="2400" b="0" i="0" dirty="0">
+                <a:solidFill>
+                  <a:schemeClr val="tx2">
+                    <a:lumMod val="50000"/>
+                  </a:schemeClr>
+                </a:solidFill>
+                <a:effectLst/>
+                <a:latin typeface="Arial" panose="020B0604020202020204" pitchFamily="34" charset="0"/>
+                <a:cs typeface="Arial" panose="020B0604020202020204" pitchFamily="34" charset="0"/>
+              </a:rPr>
+              <a:t>¿Qué hizo el Gato con Botas para ganar la confianza del Rey? </a:t>
+            </a:r>
+          </a:p>
+          <a:p>
+            <a:pPr marL="457200" indent="-457200">
+              <a:buFont typeface="+mj-lt"/>
+              <a:buAutoNum type="arabicPeriod"/>
+            </a:pPr>
+            <a:endParaRPr lang="es-ES" sz="2000" dirty="0">
+              <a:solidFill>
+                <a:schemeClr val="tx2">
+                  <a:lumMod val="50000"/>
+                </a:schemeClr>
+              </a:solidFill>
+              <a:latin typeface="Arial" panose="020B0604020202020204" pitchFamily="34" charset="0"/>
+              <a:cs typeface="Arial" panose="020B0604020202020204" pitchFamily="34" charset="0"/>
+            </a:endParaRPr>
+          </a:p>
+          <a:p>
+            <a:pPr marL="457200" indent="-457200">
+              <a:buFont typeface="+mj-lt"/>
+              <a:buAutoNum type="arabicPeriod"/>
+            </a:pPr>
+            <a:r>
+              <a:rPr lang="es-ES" sz="2400" b="0" i="0" dirty="0">
+                <a:solidFill>
+                  <a:schemeClr val="tx2">
+                    <a:lumMod val="50000"/>
+                  </a:schemeClr>
+                </a:solidFill>
+                <a:effectLst/>
+                <a:latin typeface="Arial" panose="020B0604020202020204" pitchFamily="34" charset="0"/>
+                <a:cs typeface="Arial" panose="020B0604020202020204" pitchFamily="34" charset="0"/>
+              </a:rPr>
+              <a:t>¿Por qué el Gato con Botas se arriesgó a viajar al castillo del Ogro? </a:t>
+            </a:r>
+          </a:p>
+          <a:p>
+            <a:pPr marL="457200" indent="-457200">
+              <a:buFont typeface="+mj-lt"/>
+              <a:buAutoNum type="arabicPeriod"/>
+            </a:pPr>
+            <a:endParaRPr lang="es-ES" sz="2000" b="0" i="0" dirty="0">
+              <a:solidFill>
+                <a:schemeClr val="tx2">
+                  <a:lumMod val="50000"/>
+                </a:schemeClr>
+              </a:solidFill>
+              <a:effectLst/>
+              <a:latin typeface="Arial" panose="020B0604020202020204" pitchFamily="34" charset="0"/>
+              <a:cs typeface="Arial" panose="020B0604020202020204" pitchFamily="34" charset="0"/>
+            </a:endParaRPr>
+          </a:p>
+          <a:p>
+            <a:pPr marL="457200" indent="-457200">
+              <a:buFont typeface="+mj-lt"/>
+              <a:buAutoNum type="arabicPeriod"/>
+            </a:pPr>
+            <a:r>
+              <a:rPr lang="es-ES" sz="2400" b="0" i="0" dirty="0">
+                <a:solidFill>
+                  <a:schemeClr val="tx2">
+                    <a:lumMod val="50000"/>
+                  </a:schemeClr>
+                </a:solidFill>
+                <a:effectLst/>
+                <a:latin typeface="Arial" panose="020B0604020202020204" pitchFamily="34" charset="0"/>
+                <a:cs typeface="Arial" panose="020B0604020202020204" pitchFamily="34" charset="0"/>
+              </a:rPr>
+              <a:t>¿Qué hubiera sucedió si el Rey se hubiera enterado del engaño del Gato con Botas? </a:t>
+            </a:r>
+          </a:p>
+          <a:p>
+            <a:pPr marL="457200" indent="-457200">
+              <a:buFont typeface="+mj-lt"/>
+              <a:buAutoNum type="arabicPeriod"/>
+            </a:pPr>
+            <a:endParaRPr lang="es-ES" sz="2000" dirty="0">
+              <a:solidFill>
+                <a:schemeClr val="tx2">
+                  <a:lumMod val="50000"/>
+                </a:schemeClr>
+              </a:solidFill>
+              <a:latin typeface="Arial" panose="020B0604020202020204" pitchFamily="34" charset="0"/>
+              <a:cs typeface="Arial" panose="020B0604020202020204" pitchFamily="34" charset="0"/>
+            </a:endParaRPr>
+          </a:p>
+          <a:p>
+            <a:pPr marL="457200" indent="-457200">
+              <a:buFont typeface="+mj-lt"/>
+              <a:buAutoNum type="arabicPeriod"/>
+            </a:pPr>
+            <a:r>
+              <a:rPr lang="es-ES" sz="2400" b="0" i="0" dirty="0">
+                <a:solidFill>
+                  <a:schemeClr val="tx2">
+                    <a:lumMod val="50000"/>
+                  </a:schemeClr>
+                </a:solidFill>
+                <a:effectLst/>
+                <a:latin typeface="Arial" panose="020B0604020202020204" pitchFamily="34" charset="0"/>
+                <a:cs typeface="Arial" panose="020B0604020202020204" pitchFamily="34" charset="0"/>
+              </a:rPr>
+              <a:t>¿Qué hubiera pasado si el plan del Gato con Botas no hubiera funcionado?</a:t>
+            </a:r>
+            <a:endParaRPr lang="es-CO" sz="2400" dirty="0">
+              <a:solidFill>
+                <a:schemeClr val="tx2">
+                  <a:lumMod val="50000"/>
+                </a:schemeClr>
+              </a:solidFill>
+              <a:latin typeface="Arial" panose="020B0604020202020204" pitchFamily="34" charset="0"/>
+              <a:cs typeface="Arial" panose="020B0604020202020204" pitchFamily="34" charset="0"/>
+            </a:endParaRPr>
           </a:p>
         </p:txBody>
       </p:sp>
@@ -5779,344 +6044,522 @@
   <p:clrMapOvr>
     <a:masterClrMapping/>
   </p:clrMapOvr>
-  <mc:AlternateContent xmlns:mc="http://schemas.openxmlformats.org/markup-compatibility/2006">
-    <mc:Choice xmlns:p14="http://schemas.microsoft.com/office/powerpoint/2010/main" Requires="p14">
+  <mc:AlternateContent xmlns:mc="http://schemas.openxmlformats.org/markup-compatibility/2006" xmlns:p14="http://schemas.microsoft.com/office/powerpoint/2010/main">
+    <mc:Choice Requires="p14">
       <p:transition spd="slow" p14:dur="1500">
         <p:split orient="vert"/>
       </p:transition>
     </mc:Choice>
-    <mc:Fallback>
+    <mc:Fallback xmlns="">
       <p:transition spd="slow">
         <p:split orient="vert"/>
       </p:transition>
     </mc:Fallback>
   </mc:AlternateContent>
+  <p:timing>
+    <p:tnLst>
+      <p:par>
+        <p:cTn id="1" dur="indefinite" restart="never" nodeType="tmRoot">
+          <p:childTnLst>
+            <p:seq concurrent="1" nextAc="seek">
+              <p:cTn id="2" dur="indefinite" nodeType="mainSeq">
+                <p:childTnLst>
+                  <p:par>
+                    <p:cTn id="3" fill="hold">
+                      <p:stCondLst>
+                        <p:cond delay="indefinite"/>
+                        <p:cond evt="onBegin" delay="0">
+                          <p:tn val="2"/>
+                        </p:cond>
+                      </p:stCondLst>
+                      <p:childTnLst>
+                        <p:par>
+                          <p:cTn id="4" fill="hold">
+                            <p:stCondLst>
+                              <p:cond delay="0"/>
+                            </p:stCondLst>
+                            <p:childTnLst>
+                              <p:par>
+                                <p:cTn id="5" presetID="42" presetClass="entr" presetSubtype="0" fill="hold" grpId="0" nodeType="afterEffect">
+                                  <p:stCondLst>
+                                    <p:cond delay="0"/>
+                                  </p:stCondLst>
+                                  <p:childTnLst>
+                                    <p:set>
+                                      <p:cBhvr>
+                                        <p:cTn id="6" dur="1" fill="hold">
+                                          <p:stCondLst>
+                                            <p:cond delay="0"/>
+                                          </p:stCondLst>
+                                        </p:cTn>
+                                        <p:tgtEl>
+                                          <p:spTgt spid="2"/>
+                                        </p:tgtEl>
+                                        <p:attrNameLst>
+                                          <p:attrName>style.visibility</p:attrName>
+                                        </p:attrNameLst>
+                                      </p:cBhvr>
+                                      <p:to>
+                                        <p:strVal val="visible"/>
+                                      </p:to>
+                                    </p:set>
+                                    <p:animEffect transition="in" filter="fade">
+                                      <p:cBhvr>
+                                        <p:cTn id="7" dur="1000"/>
+                                        <p:tgtEl>
+                                          <p:spTgt spid="2"/>
+                                        </p:tgtEl>
+                                      </p:cBhvr>
+                                    </p:animEffect>
+                                    <p:anim calcmode="lin" valueType="num">
+                                      <p:cBhvr>
+                                        <p:cTn id="8" dur="1000" fill="hold"/>
+                                        <p:tgtEl>
+                                          <p:spTgt spid="2"/>
+                                        </p:tgtEl>
+                                        <p:attrNameLst>
+                                          <p:attrName>ppt_x</p:attrName>
+                                        </p:attrNameLst>
+                                      </p:cBhvr>
+                                      <p:tavLst>
+                                        <p:tav tm="0">
+                                          <p:val>
+                                            <p:strVal val="#ppt_x"/>
+                                          </p:val>
+                                        </p:tav>
+                                        <p:tav tm="100000">
+                                          <p:val>
+                                            <p:strVal val="#ppt_x"/>
+                                          </p:val>
+                                        </p:tav>
+                                      </p:tavLst>
+                                    </p:anim>
+                                    <p:anim calcmode="lin" valueType="num">
+                                      <p:cBhvr>
+                                        <p:cTn id="9" dur="1000" fill="hold"/>
+                                        <p:tgtEl>
+                                          <p:spTgt spid="2"/>
+                                        </p:tgtEl>
+                                        <p:attrNameLst>
+                                          <p:attrName>ppt_y</p:attrName>
+                                        </p:attrNameLst>
+                                      </p:cBhvr>
+                                      <p:tavLst>
+                                        <p:tav tm="0">
+                                          <p:val>
+                                            <p:strVal val="#ppt_y+.1"/>
+                                          </p:val>
+                                        </p:tav>
+                                        <p:tav tm="100000">
+                                          <p:val>
+                                            <p:strVal val="#ppt_y"/>
+                                          </p:val>
+                                        </p:tav>
+                                      </p:tavLst>
+                                    </p:anim>
+                                  </p:childTnLst>
+                                </p:cTn>
+                              </p:par>
+                            </p:childTnLst>
+                          </p:cTn>
+                        </p:par>
+                        <p:par>
+                          <p:cTn id="10" fill="hold">
+                            <p:stCondLst>
+                              <p:cond delay="1000"/>
+                            </p:stCondLst>
+                            <p:childTnLst>
+                              <p:par>
+                                <p:cTn id="11" presetID="22" presetClass="entr" presetSubtype="2" fill="hold" grpId="0" nodeType="afterEffect">
+                                  <p:stCondLst>
+                                    <p:cond delay="0"/>
+                                  </p:stCondLst>
+                                  <p:childTnLst>
+                                    <p:set>
+                                      <p:cBhvr>
+                                        <p:cTn id="12" dur="1" fill="hold">
+                                          <p:stCondLst>
+                                            <p:cond delay="0"/>
+                                          </p:stCondLst>
+                                        </p:cTn>
+                                        <p:tgtEl>
+                                          <p:spTgt spid="4">
+                                            <p:txEl>
+                                              <p:pRg st="0" end="0"/>
+                                            </p:txEl>
+                                          </p:spTgt>
+                                        </p:tgtEl>
+                                        <p:attrNameLst>
+                                          <p:attrName>style.visibility</p:attrName>
+                                        </p:attrNameLst>
+                                      </p:cBhvr>
+                                      <p:to>
+                                        <p:strVal val="visible"/>
+                                      </p:to>
+                                    </p:set>
+                                    <p:animEffect transition="in" filter="wipe(right)">
+                                      <p:cBhvr>
+                                        <p:cTn id="13" dur="500"/>
+                                        <p:tgtEl>
+                                          <p:spTgt spid="4">
+                                            <p:txEl>
+                                              <p:pRg st="0" end="0"/>
+                                            </p:txEl>
+                                          </p:spTgt>
+                                        </p:tgtEl>
+                                      </p:cBhvr>
+                                    </p:animEffect>
+                                  </p:childTnLst>
+                                </p:cTn>
+                              </p:par>
+                            </p:childTnLst>
+                          </p:cTn>
+                        </p:par>
+                        <p:par>
+                          <p:cTn id="14" fill="hold">
+                            <p:stCondLst>
+                              <p:cond delay="1500"/>
+                            </p:stCondLst>
+                            <p:childTnLst>
+                              <p:par>
+                                <p:cTn id="15" presetID="22" presetClass="entr" presetSubtype="2" fill="hold" grpId="0" nodeType="afterEffect">
+                                  <p:stCondLst>
+                                    <p:cond delay="0"/>
+                                  </p:stCondLst>
+                                  <p:childTnLst>
+                                    <p:set>
+                                      <p:cBhvr>
+                                        <p:cTn id="16" dur="1" fill="hold">
+                                          <p:stCondLst>
+                                            <p:cond delay="0"/>
+                                          </p:stCondLst>
+                                        </p:cTn>
+                                        <p:tgtEl>
+                                          <p:spTgt spid="4">
+                                            <p:txEl>
+                                              <p:pRg st="2" end="2"/>
+                                            </p:txEl>
+                                          </p:spTgt>
+                                        </p:tgtEl>
+                                        <p:attrNameLst>
+                                          <p:attrName>style.visibility</p:attrName>
+                                        </p:attrNameLst>
+                                      </p:cBhvr>
+                                      <p:to>
+                                        <p:strVal val="visible"/>
+                                      </p:to>
+                                    </p:set>
+                                    <p:animEffect transition="in" filter="wipe(right)">
+                                      <p:cBhvr>
+                                        <p:cTn id="17" dur="500"/>
+                                        <p:tgtEl>
+                                          <p:spTgt spid="4">
+                                            <p:txEl>
+                                              <p:pRg st="2" end="2"/>
+                                            </p:txEl>
+                                          </p:spTgt>
+                                        </p:tgtEl>
+                                      </p:cBhvr>
+                                    </p:animEffect>
+                                  </p:childTnLst>
+                                </p:cTn>
+                              </p:par>
+                            </p:childTnLst>
+                          </p:cTn>
+                        </p:par>
+                        <p:par>
+                          <p:cTn id="18" fill="hold">
+                            <p:stCondLst>
+                              <p:cond delay="2000"/>
+                            </p:stCondLst>
+                            <p:childTnLst>
+                              <p:par>
+                                <p:cTn id="19" presetID="22" presetClass="entr" presetSubtype="2" fill="hold" grpId="0" nodeType="afterEffect">
+                                  <p:stCondLst>
+                                    <p:cond delay="0"/>
+                                  </p:stCondLst>
+                                  <p:childTnLst>
+                                    <p:set>
+                                      <p:cBhvr>
+                                        <p:cTn id="20" dur="1" fill="hold">
+                                          <p:stCondLst>
+                                            <p:cond delay="0"/>
+                                          </p:stCondLst>
+                                        </p:cTn>
+                                        <p:tgtEl>
+                                          <p:spTgt spid="4">
+                                            <p:txEl>
+                                              <p:pRg st="4" end="4"/>
+                                            </p:txEl>
+                                          </p:spTgt>
+                                        </p:tgtEl>
+                                        <p:attrNameLst>
+                                          <p:attrName>style.visibility</p:attrName>
+                                        </p:attrNameLst>
+                                      </p:cBhvr>
+                                      <p:to>
+                                        <p:strVal val="visible"/>
+                                      </p:to>
+                                    </p:set>
+                                    <p:animEffect transition="in" filter="wipe(right)">
+                                      <p:cBhvr>
+                                        <p:cTn id="21" dur="500"/>
+                                        <p:tgtEl>
+                                          <p:spTgt spid="4">
+                                            <p:txEl>
+                                              <p:pRg st="4" end="4"/>
+                                            </p:txEl>
+                                          </p:spTgt>
+                                        </p:tgtEl>
+                                      </p:cBhvr>
+                                    </p:animEffect>
+                                  </p:childTnLst>
+                                </p:cTn>
+                              </p:par>
+                            </p:childTnLst>
+                          </p:cTn>
+                        </p:par>
+                        <p:par>
+                          <p:cTn id="22" fill="hold">
+                            <p:stCondLst>
+                              <p:cond delay="2500"/>
+                            </p:stCondLst>
+                            <p:childTnLst>
+                              <p:par>
+                                <p:cTn id="23" presetID="22" presetClass="entr" presetSubtype="2" fill="hold" grpId="0" nodeType="afterEffect">
+                                  <p:stCondLst>
+                                    <p:cond delay="0"/>
+                                  </p:stCondLst>
+                                  <p:childTnLst>
+                                    <p:set>
+                                      <p:cBhvr>
+                                        <p:cTn id="24" dur="1" fill="hold">
+                                          <p:stCondLst>
+                                            <p:cond delay="0"/>
+                                          </p:stCondLst>
+                                        </p:cTn>
+                                        <p:tgtEl>
+                                          <p:spTgt spid="4">
+                                            <p:txEl>
+                                              <p:pRg st="6" end="6"/>
+                                            </p:txEl>
+                                          </p:spTgt>
+                                        </p:tgtEl>
+                                        <p:attrNameLst>
+                                          <p:attrName>style.visibility</p:attrName>
+                                        </p:attrNameLst>
+                                      </p:cBhvr>
+                                      <p:to>
+                                        <p:strVal val="visible"/>
+                                      </p:to>
+                                    </p:set>
+                                    <p:animEffect transition="in" filter="wipe(right)">
+                                      <p:cBhvr>
+                                        <p:cTn id="25" dur="500"/>
+                                        <p:tgtEl>
+                                          <p:spTgt spid="4">
+                                            <p:txEl>
+                                              <p:pRg st="6" end="6"/>
+                                            </p:txEl>
+                                          </p:spTgt>
+                                        </p:tgtEl>
+                                      </p:cBhvr>
+                                    </p:animEffect>
+                                  </p:childTnLst>
+                                </p:cTn>
+                              </p:par>
+                            </p:childTnLst>
+                          </p:cTn>
+                        </p:par>
+                        <p:par>
+                          <p:cTn id="26" fill="hold">
+                            <p:stCondLst>
+                              <p:cond delay="3000"/>
+                            </p:stCondLst>
+                            <p:childTnLst>
+                              <p:par>
+                                <p:cTn id="27" presetID="22" presetClass="entr" presetSubtype="2" fill="hold" grpId="0" nodeType="afterEffect">
+                                  <p:stCondLst>
+                                    <p:cond delay="0"/>
+                                  </p:stCondLst>
+                                  <p:childTnLst>
+                                    <p:set>
+                                      <p:cBhvr>
+                                        <p:cTn id="28" dur="1" fill="hold">
+                                          <p:stCondLst>
+                                            <p:cond delay="0"/>
+                                          </p:stCondLst>
+                                        </p:cTn>
+                                        <p:tgtEl>
+                                          <p:spTgt spid="4">
+                                            <p:txEl>
+                                              <p:pRg st="8" end="8"/>
+                                            </p:txEl>
+                                          </p:spTgt>
+                                        </p:tgtEl>
+                                        <p:attrNameLst>
+                                          <p:attrName>style.visibility</p:attrName>
+                                        </p:attrNameLst>
+                                      </p:cBhvr>
+                                      <p:to>
+                                        <p:strVal val="visible"/>
+                                      </p:to>
+                                    </p:set>
+                                    <p:animEffect transition="in" filter="wipe(right)">
+                                      <p:cBhvr>
+                                        <p:cTn id="29" dur="500"/>
+                                        <p:tgtEl>
+                                          <p:spTgt spid="4">
+                                            <p:txEl>
+                                              <p:pRg st="8" end="8"/>
+                                            </p:txEl>
+                                          </p:spTgt>
+                                        </p:tgtEl>
+                                      </p:cBhvr>
+                                    </p:animEffect>
+                                  </p:childTnLst>
+                                </p:cTn>
+                              </p:par>
+                            </p:childTnLst>
+                          </p:cTn>
+                        </p:par>
+                        <p:par>
+                          <p:cTn id="30" fill="hold">
+                            <p:stCondLst>
+                              <p:cond delay="3500"/>
+                            </p:stCondLst>
+                            <p:childTnLst>
+                              <p:par>
+                                <p:cTn id="31" presetID="22" presetClass="entr" presetSubtype="2" fill="hold" grpId="0" nodeType="afterEffect">
+                                  <p:stCondLst>
+                                    <p:cond delay="0"/>
+                                  </p:stCondLst>
+                                  <p:childTnLst>
+                                    <p:set>
+                                      <p:cBhvr>
+                                        <p:cTn id="32" dur="1" fill="hold">
+                                          <p:stCondLst>
+                                            <p:cond delay="0"/>
+                                          </p:stCondLst>
+                                        </p:cTn>
+                                        <p:tgtEl>
+                                          <p:spTgt spid="4">
+                                            <p:txEl>
+                                              <p:pRg st="10" end="10"/>
+                                            </p:txEl>
+                                          </p:spTgt>
+                                        </p:tgtEl>
+                                        <p:attrNameLst>
+                                          <p:attrName>style.visibility</p:attrName>
+                                        </p:attrNameLst>
+                                      </p:cBhvr>
+                                      <p:to>
+                                        <p:strVal val="visible"/>
+                                      </p:to>
+                                    </p:set>
+                                    <p:animEffect transition="in" filter="wipe(right)">
+                                      <p:cBhvr>
+                                        <p:cTn id="33" dur="500"/>
+                                        <p:tgtEl>
+                                          <p:spTgt spid="4">
+                                            <p:txEl>
+                                              <p:pRg st="10" end="10"/>
+                                            </p:txEl>
+                                          </p:spTgt>
+                                        </p:tgtEl>
+                                      </p:cBhvr>
+                                    </p:animEffect>
+                                  </p:childTnLst>
+                                </p:cTn>
+                              </p:par>
+                            </p:childTnLst>
+                          </p:cTn>
+                        </p:par>
+                        <p:par>
+                          <p:cTn id="34" fill="hold">
+                            <p:stCondLst>
+                              <p:cond delay="4000"/>
+                            </p:stCondLst>
+                            <p:childTnLst>
+                              <p:par>
+                                <p:cTn id="35" presetID="22" presetClass="entr" presetSubtype="2" fill="hold" grpId="0" nodeType="afterEffect">
+                                  <p:stCondLst>
+                                    <p:cond delay="0"/>
+                                  </p:stCondLst>
+                                  <p:childTnLst>
+                                    <p:set>
+                                      <p:cBhvr>
+                                        <p:cTn id="36" dur="1" fill="hold">
+                                          <p:stCondLst>
+                                            <p:cond delay="0"/>
+                                          </p:stCondLst>
+                                        </p:cTn>
+                                        <p:tgtEl>
+                                          <p:spTgt spid="4">
+                                            <p:txEl>
+                                              <p:pRg st="12" end="12"/>
+                                            </p:txEl>
+                                          </p:spTgt>
+                                        </p:tgtEl>
+                                        <p:attrNameLst>
+                                          <p:attrName>style.visibility</p:attrName>
+                                        </p:attrNameLst>
+                                      </p:cBhvr>
+                                      <p:to>
+                                        <p:strVal val="visible"/>
+                                      </p:to>
+                                    </p:set>
+                                    <p:animEffect transition="in" filter="wipe(right)">
+                                      <p:cBhvr>
+                                        <p:cTn id="37" dur="500"/>
+                                        <p:tgtEl>
+                                          <p:spTgt spid="4">
+                                            <p:txEl>
+                                              <p:pRg st="12" end="12"/>
+                                            </p:txEl>
+                                          </p:spTgt>
+                                        </p:tgtEl>
+                                      </p:cBhvr>
+                                    </p:animEffect>
+                                  </p:childTnLst>
+                                </p:cTn>
+                              </p:par>
+                            </p:childTnLst>
+                          </p:cTn>
+                        </p:par>
+                      </p:childTnLst>
+                    </p:cTn>
+                  </p:par>
+                </p:childTnLst>
+              </p:cTn>
+              <p:prevCondLst>
+                <p:cond evt="onPrev" delay="0">
+                  <p:tgtEl>
+                    <p:sldTgt/>
+                  </p:tgtEl>
+                </p:cond>
+              </p:prevCondLst>
+              <p:nextCondLst>
+                <p:cond evt="onNext" delay="0">
+                  <p:tgtEl>
+                    <p:sldTgt/>
+                  </p:tgtEl>
+                </p:cond>
+              </p:nextCondLst>
+            </p:seq>
+          </p:childTnLst>
+        </p:cTn>
+      </p:par>
+    </p:tnLst>
+    <p:bldLst>
+      <p:bldP spid="2" grpId="0"/>
+      <p:bldP spid="4" grpId="0" build="p"/>
+    </p:bldLst>
+  </p:timing>
 </p:sld>
 </file>
 
 <file path=ppt/slides/slide3.xml><?xml version="1.0" encoding="utf-8"?>
-<p:sld xmlns:a="http://schemas.openxmlformats.org/drawingml/2006/main" xmlns:r="http://schemas.openxmlformats.org/officeDocument/2006/relationships" xmlns:p="http://schemas.openxmlformats.org/presentationml/2006/main">
-  <p:cSld>
-    <p:spTree>
-      <p:nvGrpSpPr>
-        <p:cNvPr id="1" name=""/>
-        <p:cNvGrpSpPr/>
-        <p:nvPr/>
-      </p:nvGrpSpPr>
-      <p:grpSpPr>
-        <a:xfrm>
-          <a:off x="0" y="0"/>
-          <a:ext cx="0" cy="0"/>
-          <a:chOff x="0" y="0"/>
-          <a:chExt cx="0" cy="0"/>
-        </a:xfrm>
-      </p:grpSpPr>
-      <p:sp>
-        <p:nvSpPr>
-          <p:cNvPr id="5" name="Rectángulo 4">
-            <a:extLst>
-              <a:ext uri="{FF2B5EF4-FFF2-40B4-BE49-F238E27FC236}">
-                <a16:creationId xmlns:a16="http://schemas.microsoft.com/office/drawing/2014/main" id="{094A6736-35AD-441B-9AE8-0B811CA4A999}"/>
-              </a:ext>
-            </a:extLst>
-          </p:cNvPr>
-          <p:cNvSpPr/>
-          <p:nvPr/>
-        </p:nvSpPr>
-        <p:spPr>
-          <a:xfrm>
-            <a:off x="-1" y="0"/>
-            <a:ext cx="9144001" cy="6858000"/>
-          </a:xfrm>
-          <a:prstGeom prst="rect">
-            <a:avLst/>
-          </a:prstGeom>
-          <a:blipFill>
-            <a:blip r:embed="rId2"/>
-            <a:stretch>
-              <a:fillRect b="-8452"/>
-            </a:stretch>
-          </a:blipFill>
-          <a:ln>
-            <a:noFill/>
-          </a:ln>
-        </p:spPr>
-        <p:style>
-          <a:lnRef idx="2">
-            <a:schemeClr val="accent1">
-              <a:shade val="50000"/>
-            </a:schemeClr>
-          </a:lnRef>
-          <a:fillRef idx="1">
-            <a:schemeClr val="accent1"/>
-          </a:fillRef>
-          <a:effectRef idx="0">
-            <a:schemeClr val="accent1"/>
-          </a:effectRef>
-          <a:fontRef idx="minor">
-            <a:schemeClr val="lt1"/>
-          </a:fontRef>
-        </p:style>
-        <p:txBody>
-          <a:bodyPr rtlCol="0" anchor="ctr"/>
-          <a:lstStyle/>
-          <a:p>
-            <a:br>
-              <a:rPr lang="es-ES" sz="1500" dirty="0">
-                <a:solidFill>
-                  <a:schemeClr val="tx1"/>
-                </a:solidFill>
-                <a:latin typeface="Times New Roman" panose="02020603050405020304" pitchFamily="18" charset="0"/>
-              </a:rPr>
-            </a:br>
-            <a:endParaRPr lang="es-CO" sz="1500" u="sng" dirty="0">
-              <a:solidFill>
-                <a:schemeClr val="tx1"/>
-              </a:solidFill>
-            </a:endParaRPr>
-          </a:p>
-        </p:txBody>
-      </p:sp>
-      <p:sp>
-        <p:nvSpPr>
-          <p:cNvPr id="6" name="Rectángulo 5">
-            <a:extLst>
-              <a:ext uri="{FF2B5EF4-FFF2-40B4-BE49-F238E27FC236}">
-                <a16:creationId xmlns:a16="http://schemas.microsoft.com/office/drawing/2014/main" id="{1D7BAA42-1A8A-43C8-B209-D1AFAA845598}"/>
-              </a:ext>
-            </a:extLst>
-          </p:cNvPr>
-          <p:cNvSpPr/>
-          <p:nvPr/>
-        </p:nvSpPr>
-        <p:spPr>
-          <a:xfrm>
-            <a:off x="-2" y="0"/>
-            <a:ext cx="9144001" cy="6858000"/>
-          </a:xfrm>
-          <a:prstGeom prst="rect">
-            <a:avLst/>
-          </a:prstGeom>
-          <a:gradFill flip="none" rotWithShape="1">
-            <a:gsLst>
-              <a:gs pos="0">
-                <a:schemeClr val="accent1">
-                  <a:lumMod val="0"/>
-                  <a:lumOff val="100000"/>
-                  <a:alpha val="60000"/>
-                </a:schemeClr>
-              </a:gs>
-              <a:gs pos="35000">
-                <a:schemeClr val="accent1">
-                  <a:lumMod val="0"/>
-                  <a:lumOff val="100000"/>
-                  <a:alpha val="96000"/>
-                </a:schemeClr>
-              </a:gs>
-              <a:gs pos="100000">
-                <a:schemeClr val="accent1">
-                  <a:lumMod val="100000"/>
-                  <a:alpha val="80000"/>
-                </a:schemeClr>
-              </a:gs>
-            </a:gsLst>
-            <a:path path="circle">
-              <a:fillToRect l="50000" t="-80000" r="50000" b="180000"/>
-            </a:path>
-            <a:tileRect/>
-          </a:gradFill>
-          <a:ln>
-            <a:noFill/>
-          </a:ln>
-        </p:spPr>
-        <p:style>
-          <a:lnRef idx="2">
-            <a:schemeClr val="accent1">
-              <a:shade val="50000"/>
-            </a:schemeClr>
-          </a:lnRef>
-          <a:fillRef idx="1">
-            <a:schemeClr val="accent1"/>
-          </a:fillRef>
-          <a:effectRef idx="0">
-            <a:schemeClr val="accent1"/>
-          </a:effectRef>
-          <a:fontRef idx="minor">
-            <a:schemeClr val="lt1"/>
-          </a:fontRef>
-        </p:style>
-        <p:txBody>
-          <a:bodyPr rtlCol="0" anchor="ctr"/>
-          <a:lstStyle/>
-          <a:p>
-            <a:br>
-              <a:rPr lang="es-ES" sz="1500" u="sng" dirty="0">
-                <a:solidFill>
-                  <a:schemeClr val="tx1"/>
-                </a:solidFill>
-                <a:latin typeface="Times New Roman" panose="02020603050405020304" pitchFamily="18" charset="0"/>
-              </a:rPr>
-            </a:br>
-            <a:endParaRPr lang="es-CO" sz="1500" u="sng" dirty="0">
-              <a:solidFill>
-                <a:schemeClr val="tx1"/>
-              </a:solidFill>
-            </a:endParaRPr>
-          </a:p>
-        </p:txBody>
-      </p:sp>
-      <p:sp>
-        <p:nvSpPr>
-          <p:cNvPr id="3" name="Rectángulo 2">
-            <a:extLst>
-              <a:ext uri="{FF2B5EF4-FFF2-40B4-BE49-F238E27FC236}">
-                <a16:creationId xmlns:a16="http://schemas.microsoft.com/office/drawing/2014/main" id="{0D4D876D-2894-4D88-9CF1-832FA6879EBA}"/>
-              </a:ext>
-            </a:extLst>
-          </p:cNvPr>
-          <p:cNvSpPr/>
-          <p:nvPr/>
-        </p:nvSpPr>
-        <p:spPr>
-          <a:xfrm>
-            <a:off x="2000549" y="1154376"/>
-            <a:ext cx="4550477" cy="923330"/>
-          </a:xfrm>
-          <a:prstGeom prst="rect">
-            <a:avLst/>
-          </a:prstGeom>
-          <a:noFill/>
-        </p:spPr>
-        <p:txBody>
-          <a:bodyPr wrap="none" lIns="91440" tIns="45720" rIns="91440" bIns="45720">
-            <a:spAutoFit/>
-          </a:bodyPr>
-          <a:lstStyle/>
-          <a:p>
-            <a:pPr algn="ctr"/>
-            <a:r>
-              <a:rPr lang="es-ES" sz="5400" b="1" dirty="0">
-                <a:ln w="12700">
-                  <a:solidFill>
-                    <a:schemeClr val="tx2">
-                      <a:lumMod val="75000"/>
-                    </a:schemeClr>
-                  </a:solidFill>
-                  <a:prstDash val="solid"/>
-                </a:ln>
-                <a:pattFill prst="dkUpDiag">
-                  <a:fgClr>
-                    <a:schemeClr val="tx2"/>
-                  </a:fgClr>
-                  <a:bgClr>
-                    <a:schemeClr val="tx2">
-                      <a:lumMod val="20000"/>
-                      <a:lumOff val="80000"/>
-                    </a:schemeClr>
-                  </a:bgClr>
-                </a:pattFill>
-                <a:effectLst>
-                  <a:outerShdw dist="38100" dir="2640000" algn="bl" rotWithShape="0">
-                    <a:schemeClr val="tx2">
-                      <a:lumMod val="75000"/>
-                    </a:schemeClr>
-                  </a:outerShdw>
-                </a:effectLst>
-              </a:rPr>
-              <a:t>Ideas Centrales</a:t>
-            </a:r>
-          </a:p>
-        </p:txBody>
-      </p:sp>
-      <p:sp>
-        <p:nvSpPr>
-          <p:cNvPr id="7" name="Rectángulo 6">
-            <a:extLst>
-              <a:ext uri="{FF2B5EF4-FFF2-40B4-BE49-F238E27FC236}">
-                <a16:creationId xmlns:a16="http://schemas.microsoft.com/office/drawing/2014/main" id="{6D40454D-C0AF-45D9-99F1-E89DFB63D5B5}"/>
-              </a:ext>
-            </a:extLst>
-          </p:cNvPr>
-          <p:cNvSpPr/>
-          <p:nvPr/>
-        </p:nvSpPr>
-        <p:spPr>
-          <a:xfrm>
-            <a:off x="1764682" y="3717529"/>
-            <a:ext cx="5022209" cy="923330"/>
-          </a:xfrm>
-          <a:prstGeom prst="rect">
-            <a:avLst/>
-          </a:prstGeom>
-          <a:noFill/>
-        </p:spPr>
-        <p:txBody>
-          <a:bodyPr wrap="none" lIns="91440" tIns="45720" rIns="91440" bIns="45720">
-            <a:spAutoFit/>
-          </a:bodyPr>
-          <a:lstStyle/>
-          <a:p>
-            <a:pPr algn="ctr"/>
-            <a:r>
-              <a:rPr lang="es-ES" sz="5400" b="1" dirty="0">
-                <a:ln w="12700">
-                  <a:solidFill>
-                    <a:schemeClr val="tx2">
-                      <a:lumMod val="75000"/>
-                    </a:schemeClr>
-                  </a:solidFill>
-                  <a:prstDash val="solid"/>
-                </a:ln>
-                <a:pattFill prst="dkUpDiag">
-                  <a:fgClr>
-                    <a:schemeClr val="tx2"/>
-                  </a:fgClr>
-                  <a:bgClr>
-                    <a:schemeClr val="tx2">
-                      <a:lumMod val="20000"/>
-                      <a:lumOff val="80000"/>
-                    </a:schemeClr>
-                  </a:bgClr>
-                </a:pattFill>
-                <a:effectLst>
-                  <a:outerShdw dist="38100" dir="2640000" algn="bl" rotWithShape="0">
-                    <a:schemeClr val="tx2">
-                      <a:lumMod val="75000"/>
-                    </a:schemeClr>
-                  </a:outerShdw>
-                </a:effectLst>
-              </a:rPr>
-              <a:t>Descubrimientos</a:t>
-            </a:r>
-          </a:p>
-        </p:txBody>
-      </p:sp>
-    </p:spTree>
-    <p:extLst>
-      <p:ext uri="{BB962C8B-B14F-4D97-AF65-F5344CB8AC3E}">
-        <p14:creationId xmlns:p14="http://schemas.microsoft.com/office/powerpoint/2010/main" val="1971259575"/>
-      </p:ext>
-    </p:extLst>
-  </p:cSld>
-  <p:clrMapOvr>
-    <a:masterClrMapping/>
-  </p:clrMapOvr>
-  <mc:AlternateContent xmlns:mc="http://schemas.openxmlformats.org/markup-compatibility/2006">
-    <mc:Choice xmlns:p15="http://schemas.microsoft.com/office/powerpoint/2012/main" Requires="p15">
-      <p:transition xmlns:p14="http://schemas.microsoft.com/office/powerpoint/2010/main" spd="slow" p14:dur="6000">
-        <p15:prstTrans prst="curtains"/>
-      </p:transition>
-    </mc:Choice>
-    <mc:Fallback>
-      <p:transition spd="slow">
-        <p:fade/>
-      </p:transition>
-    </mc:Fallback>
-  </mc:AlternateContent>
-</p:sld>
-</file>
-
-<file path=ppt/slides/slide4.xml><?xml version="1.0" encoding="utf-8"?>
 <p:sld xmlns:a="http://schemas.openxmlformats.org/drawingml/2006/main" xmlns:r="http://schemas.openxmlformats.org/officeDocument/2006/relationships" xmlns:p="http://schemas.openxmlformats.org/presentationml/2006/main">
   <p:cSld>
     <p:spTree>
@@ -6272,6 +6715,1935 @@
           <a:lstStyle/>
           <a:p>
             <a:br>
+              <a:rPr lang="es-ES" sz="1500" u="sng" dirty="0">
+                <a:solidFill>
+                  <a:schemeClr val="tx1"/>
+                </a:solidFill>
+                <a:latin typeface="Times New Roman" panose="02020603050405020304" pitchFamily="18" charset="0"/>
+              </a:rPr>
+            </a:br>
+            <a:endParaRPr lang="es-CO" sz="1500" u="sng" dirty="0">
+              <a:solidFill>
+                <a:schemeClr val="tx1"/>
+              </a:solidFill>
+            </a:endParaRPr>
+          </a:p>
+        </p:txBody>
+      </p:sp>
+      <p:sp>
+        <p:nvSpPr>
+          <p:cNvPr id="3" name="Rectángulo 2">
+            <a:extLst>
+              <a:ext uri="{FF2B5EF4-FFF2-40B4-BE49-F238E27FC236}">
+                <a16:creationId xmlns:a16="http://schemas.microsoft.com/office/drawing/2014/main" id="{0D4D876D-2894-4D88-9CF1-832FA6879EBA}"/>
+              </a:ext>
+            </a:extLst>
+          </p:cNvPr>
+          <p:cNvSpPr/>
+          <p:nvPr/>
+        </p:nvSpPr>
+        <p:spPr>
+          <a:xfrm>
+            <a:off x="2044993" y="-50874"/>
+            <a:ext cx="5054012" cy="923330"/>
+          </a:xfrm>
+          <a:prstGeom prst="rect">
+            <a:avLst/>
+          </a:prstGeom>
+          <a:noFill/>
+        </p:spPr>
+        <p:txBody>
+          <a:bodyPr wrap="none" lIns="91440" tIns="45720" rIns="91440" bIns="45720">
+            <a:spAutoFit/>
+          </a:bodyPr>
+          <a:lstStyle/>
+          <a:p>
+            <a:pPr algn="ctr"/>
+            <a:r>
+              <a:rPr lang="es-ES" sz="5400" b="1" dirty="0">
+                <a:ln w="12700">
+                  <a:solidFill>
+                    <a:schemeClr val="tx2">
+                      <a:lumMod val="75000"/>
+                    </a:schemeClr>
+                  </a:solidFill>
+                  <a:prstDash val="solid"/>
+                </a:ln>
+                <a:pattFill prst="dkUpDiag">
+                  <a:fgClr>
+                    <a:schemeClr val="tx2"/>
+                  </a:fgClr>
+                  <a:bgClr>
+                    <a:schemeClr val="tx2">
+                      <a:lumMod val="20000"/>
+                      <a:lumOff val="80000"/>
+                    </a:schemeClr>
+                  </a:bgClr>
+                </a:pattFill>
+                <a:effectLst>
+                  <a:outerShdw dist="38100" dir="2640000" algn="bl" rotWithShape="0">
+                    <a:schemeClr val="tx2">
+                      <a:lumMod val="75000"/>
+                    </a:schemeClr>
+                  </a:outerShdw>
+                </a:effectLst>
+                <a:latin typeface="Cambria" panose="02040503050406030204" pitchFamily="18" charset="0"/>
+                <a:ea typeface="Cambria" panose="02040503050406030204" pitchFamily="18" charset="0"/>
+              </a:rPr>
+              <a:t>Ideas Centrales</a:t>
+            </a:r>
+          </a:p>
+        </p:txBody>
+      </p:sp>
+      <p:sp>
+        <p:nvSpPr>
+          <p:cNvPr id="12" name="CuadroTexto 11">
+            <a:extLst>
+              <a:ext uri="{FF2B5EF4-FFF2-40B4-BE49-F238E27FC236}">
+                <a16:creationId xmlns:a16="http://schemas.microsoft.com/office/drawing/2014/main" id="{4EDD1DED-8FF3-465C-936C-F5070B9681B9}"/>
+              </a:ext>
+            </a:extLst>
+          </p:cNvPr>
+          <p:cNvSpPr txBox="1"/>
+          <p:nvPr/>
+        </p:nvSpPr>
+        <p:spPr>
+          <a:xfrm>
+            <a:off x="57957" y="872456"/>
+            <a:ext cx="9028086" cy="6124754"/>
+          </a:xfrm>
+          <a:prstGeom prst="rect">
+            <a:avLst/>
+          </a:prstGeom>
+          <a:noFill/>
+        </p:spPr>
+        <p:txBody>
+          <a:bodyPr wrap="square" rtlCol="0">
+            <a:spAutoFit/>
+          </a:bodyPr>
+          <a:lstStyle/>
+          <a:p>
+            <a:pPr marL="457200" indent="-457200">
+              <a:buFont typeface="+mj-lt"/>
+              <a:buAutoNum type="arabicPeriod"/>
+            </a:pPr>
+            <a:r>
+              <a:rPr lang="es-ES" sz="2400" dirty="0">
+                <a:solidFill>
+                  <a:schemeClr val="tx2">
+                    <a:lumMod val="50000"/>
+                  </a:schemeClr>
+                </a:solidFill>
+                <a:latin typeface="Arial" panose="020B0604020202020204" pitchFamily="34" charset="0"/>
+                <a:cs typeface="Arial" panose="020B0604020202020204" pitchFamily="34" charset="0"/>
+              </a:rPr>
+              <a:t>El gato con botas fue al castillo del ogro y usó su astucia para vencer al ogro. </a:t>
+            </a:r>
+          </a:p>
+          <a:p>
+            <a:pPr marL="457200" indent="-457200">
+              <a:buFont typeface="+mj-lt"/>
+              <a:buAutoNum type="arabicPeriod"/>
+            </a:pPr>
+            <a:endParaRPr lang="es-ES" sz="2000" dirty="0">
+              <a:solidFill>
+                <a:schemeClr val="tx2">
+                  <a:lumMod val="50000"/>
+                </a:schemeClr>
+              </a:solidFill>
+              <a:latin typeface="Arial" panose="020B0604020202020204" pitchFamily="34" charset="0"/>
+              <a:cs typeface="Arial" panose="020B0604020202020204" pitchFamily="34" charset="0"/>
+            </a:endParaRPr>
+          </a:p>
+          <a:p>
+            <a:pPr marL="457200" indent="-457200">
+              <a:buFont typeface="+mj-lt"/>
+              <a:buAutoNum type="arabicPeriod"/>
+            </a:pPr>
+            <a:r>
+              <a:rPr lang="es-ES" sz="2400" dirty="0">
+                <a:solidFill>
+                  <a:schemeClr val="tx2">
+                    <a:lumMod val="50000"/>
+                  </a:schemeClr>
+                </a:solidFill>
+                <a:latin typeface="Arial" panose="020B0604020202020204" pitchFamily="34" charset="0"/>
+                <a:cs typeface="Arial" panose="020B0604020202020204" pitchFamily="34" charset="0"/>
+              </a:rPr>
+              <a:t>Al final, el gato con botas se convirtió en el mejor amigo del rey y se quedó a vivir en el castillo. </a:t>
+            </a:r>
+          </a:p>
+          <a:p>
+            <a:pPr marL="457200" indent="-457200">
+              <a:buFont typeface="+mj-lt"/>
+              <a:buAutoNum type="arabicPeriod"/>
+            </a:pPr>
+            <a:endParaRPr lang="es-ES" sz="2000" dirty="0">
+              <a:solidFill>
+                <a:schemeClr val="tx2">
+                  <a:lumMod val="50000"/>
+                </a:schemeClr>
+              </a:solidFill>
+              <a:latin typeface="Arial" panose="020B0604020202020204" pitchFamily="34" charset="0"/>
+              <a:cs typeface="Arial" panose="020B0604020202020204" pitchFamily="34" charset="0"/>
+            </a:endParaRPr>
+          </a:p>
+          <a:p>
+            <a:pPr marL="457200" indent="-457200">
+              <a:buFont typeface="+mj-lt"/>
+              <a:buAutoNum type="arabicPeriod"/>
+            </a:pPr>
+            <a:r>
+              <a:rPr lang="es-ES" sz="2400" dirty="0">
+                <a:solidFill>
+                  <a:schemeClr val="tx2">
+                    <a:lumMod val="50000"/>
+                  </a:schemeClr>
+                </a:solidFill>
+                <a:latin typeface="Arial" panose="020B0604020202020204" pitchFamily="34" charset="0"/>
+                <a:cs typeface="Arial" panose="020B0604020202020204" pitchFamily="34" charset="0"/>
+              </a:rPr>
+              <a:t>El gato con botas usó su ingenio para resolver problemas y ayudo a su amo. </a:t>
+            </a:r>
+          </a:p>
+          <a:p>
+            <a:pPr marL="457200" indent="-457200">
+              <a:buFont typeface="+mj-lt"/>
+              <a:buAutoNum type="arabicPeriod"/>
+            </a:pPr>
+            <a:endParaRPr lang="es-ES" sz="2000" dirty="0">
+              <a:solidFill>
+                <a:schemeClr val="tx2">
+                  <a:lumMod val="50000"/>
+                </a:schemeClr>
+              </a:solidFill>
+              <a:latin typeface="Arial" panose="020B0604020202020204" pitchFamily="34" charset="0"/>
+              <a:cs typeface="Arial" panose="020B0604020202020204" pitchFamily="34" charset="0"/>
+            </a:endParaRPr>
+          </a:p>
+          <a:p>
+            <a:pPr marL="457200" indent="-457200">
+              <a:buFont typeface="+mj-lt"/>
+              <a:buAutoNum type="arabicPeriod"/>
+            </a:pPr>
+            <a:r>
+              <a:rPr lang="es-ES" sz="2400" dirty="0">
+                <a:solidFill>
+                  <a:schemeClr val="tx2">
+                    <a:lumMod val="50000"/>
+                  </a:schemeClr>
+                </a:solidFill>
+                <a:latin typeface="Arial" panose="020B0604020202020204" pitchFamily="34" charset="0"/>
+                <a:cs typeface="Arial" panose="020B0604020202020204" pitchFamily="34" charset="0"/>
+              </a:rPr>
+              <a:t>El gato con botas usó sus habilidades para salir victorioso de situaciones difíciles. </a:t>
+            </a:r>
+          </a:p>
+          <a:p>
+            <a:pPr marL="457200" indent="-457200">
+              <a:buFont typeface="+mj-lt"/>
+              <a:buAutoNum type="arabicPeriod"/>
+            </a:pPr>
+            <a:endParaRPr lang="es-ES" sz="2000" dirty="0">
+              <a:solidFill>
+                <a:schemeClr val="tx2">
+                  <a:lumMod val="50000"/>
+                </a:schemeClr>
+              </a:solidFill>
+              <a:latin typeface="Arial" panose="020B0604020202020204" pitchFamily="34" charset="0"/>
+              <a:cs typeface="Arial" panose="020B0604020202020204" pitchFamily="34" charset="0"/>
+            </a:endParaRPr>
+          </a:p>
+          <a:p>
+            <a:pPr marL="457200" indent="-457200">
+              <a:buFont typeface="+mj-lt"/>
+              <a:buAutoNum type="arabicPeriod"/>
+            </a:pPr>
+            <a:r>
+              <a:rPr lang="es-ES" sz="2400" dirty="0">
+                <a:solidFill>
+                  <a:schemeClr val="tx2">
+                    <a:lumMod val="50000"/>
+                  </a:schemeClr>
+                </a:solidFill>
+                <a:latin typeface="Arial" panose="020B0604020202020204" pitchFamily="34" charset="0"/>
+                <a:cs typeface="Arial" panose="020B0604020202020204" pitchFamily="34" charset="0"/>
+              </a:rPr>
+              <a:t>El gato con botas utilizo la importancia de la amistad y la lealtad. </a:t>
+            </a:r>
+          </a:p>
+          <a:p>
+            <a:pPr marL="457200" indent="-457200">
+              <a:buFont typeface="+mj-lt"/>
+              <a:buAutoNum type="arabicPeriod"/>
+            </a:pPr>
+            <a:endParaRPr lang="es-ES" sz="2000" dirty="0">
+              <a:solidFill>
+                <a:schemeClr val="tx2">
+                  <a:lumMod val="50000"/>
+                </a:schemeClr>
+              </a:solidFill>
+              <a:latin typeface="Arial" panose="020B0604020202020204" pitchFamily="34" charset="0"/>
+              <a:cs typeface="Arial" panose="020B0604020202020204" pitchFamily="34" charset="0"/>
+            </a:endParaRPr>
+          </a:p>
+          <a:p>
+            <a:pPr marL="457200" indent="-457200">
+              <a:buFont typeface="+mj-lt"/>
+              <a:buAutoNum type="arabicPeriod"/>
+            </a:pPr>
+            <a:r>
+              <a:rPr lang="es-ES" sz="2400" dirty="0">
+                <a:solidFill>
+                  <a:schemeClr val="tx2">
+                    <a:lumMod val="50000"/>
+                  </a:schemeClr>
+                </a:solidFill>
+                <a:latin typeface="Arial" panose="020B0604020202020204" pitchFamily="34" charset="0"/>
+                <a:cs typeface="Arial" panose="020B0604020202020204" pitchFamily="34" charset="0"/>
+              </a:rPr>
+              <a:t>El gato con botas demostró que con esfuerzo y valentía, se pueden lograr muchas cosas.</a:t>
+            </a:r>
+          </a:p>
+        </p:txBody>
+      </p:sp>
+    </p:spTree>
+    <p:extLst>
+      <p:ext uri="{BB962C8B-B14F-4D97-AF65-F5344CB8AC3E}">
+        <p14:creationId xmlns:p14="http://schemas.microsoft.com/office/powerpoint/2010/main" val="1971259575"/>
+      </p:ext>
+    </p:extLst>
+  </p:cSld>
+  <p:clrMapOvr>
+    <a:masterClrMapping/>
+  </p:clrMapOvr>
+  <mc:AlternateContent xmlns:mc="http://schemas.openxmlformats.org/markup-compatibility/2006">
+    <mc:Choice xmlns:p15="http://schemas.microsoft.com/office/powerpoint/2012/main" Requires="p15">
+      <p:transition xmlns:p14="http://schemas.microsoft.com/office/powerpoint/2010/main" spd="slow" p14:dur="3000">
+        <p15:prstTrans prst="curtains"/>
+      </p:transition>
+    </mc:Choice>
+    <mc:Fallback>
+      <p:transition spd="slow">
+        <p:fade/>
+      </p:transition>
+    </mc:Fallback>
+  </mc:AlternateContent>
+  <p:timing>
+    <p:tnLst>
+      <p:par>
+        <p:cTn id="1" dur="indefinite" restart="never" nodeType="tmRoot">
+          <p:childTnLst>
+            <p:seq concurrent="1" nextAc="seek">
+              <p:cTn id="2" dur="indefinite" nodeType="mainSeq">
+                <p:childTnLst>
+                  <p:par>
+                    <p:cTn id="3" fill="hold">
+                      <p:stCondLst>
+                        <p:cond delay="indefinite"/>
+                        <p:cond evt="onBegin" delay="0">
+                          <p:tn val="2"/>
+                        </p:cond>
+                      </p:stCondLst>
+                      <p:childTnLst>
+                        <p:par>
+                          <p:cTn id="4" fill="hold">
+                            <p:stCondLst>
+                              <p:cond delay="0"/>
+                            </p:stCondLst>
+                            <p:childTnLst>
+                              <p:par>
+                                <p:cTn id="5" presetID="16" presetClass="entr" presetSubtype="37" fill="hold" grpId="0" nodeType="afterEffect">
+                                  <p:stCondLst>
+                                    <p:cond delay="0"/>
+                                  </p:stCondLst>
+                                  <p:childTnLst>
+                                    <p:set>
+                                      <p:cBhvr>
+                                        <p:cTn id="6" dur="1" fill="hold">
+                                          <p:stCondLst>
+                                            <p:cond delay="0"/>
+                                          </p:stCondLst>
+                                        </p:cTn>
+                                        <p:tgtEl>
+                                          <p:spTgt spid="3"/>
+                                        </p:tgtEl>
+                                        <p:attrNameLst>
+                                          <p:attrName>style.visibility</p:attrName>
+                                        </p:attrNameLst>
+                                      </p:cBhvr>
+                                      <p:to>
+                                        <p:strVal val="visible"/>
+                                      </p:to>
+                                    </p:set>
+                                    <p:animEffect transition="in" filter="barn(outVertical)">
+                                      <p:cBhvr>
+                                        <p:cTn id="7" dur="500"/>
+                                        <p:tgtEl>
+                                          <p:spTgt spid="3"/>
+                                        </p:tgtEl>
+                                      </p:cBhvr>
+                                    </p:animEffect>
+                                  </p:childTnLst>
+                                </p:cTn>
+                              </p:par>
+                            </p:childTnLst>
+                          </p:cTn>
+                        </p:par>
+                        <p:par>
+                          <p:cTn id="8" fill="hold">
+                            <p:stCondLst>
+                              <p:cond delay="500"/>
+                            </p:stCondLst>
+                            <p:childTnLst>
+                              <p:par>
+                                <p:cTn id="9" presetID="2" presetClass="entr" presetSubtype="4" fill="hold" grpId="0" nodeType="afterEffect">
+                                  <p:stCondLst>
+                                    <p:cond delay="0"/>
+                                  </p:stCondLst>
+                                  <p:childTnLst>
+                                    <p:set>
+                                      <p:cBhvr>
+                                        <p:cTn id="10" dur="1" fill="hold">
+                                          <p:stCondLst>
+                                            <p:cond delay="0"/>
+                                          </p:stCondLst>
+                                        </p:cTn>
+                                        <p:tgtEl>
+                                          <p:spTgt spid="12">
+                                            <p:txEl>
+                                              <p:pRg st="0" end="0"/>
+                                            </p:txEl>
+                                          </p:spTgt>
+                                        </p:tgtEl>
+                                        <p:attrNameLst>
+                                          <p:attrName>style.visibility</p:attrName>
+                                        </p:attrNameLst>
+                                      </p:cBhvr>
+                                      <p:to>
+                                        <p:strVal val="visible"/>
+                                      </p:to>
+                                    </p:set>
+                                    <p:anim calcmode="lin" valueType="num">
+                                      <p:cBhvr additive="base">
+                                        <p:cTn id="11" dur="500" fill="hold"/>
+                                        <p:tgtEl>
+                                          <p:spTgt spid="12">
+                                            <p:txEl>
+                                              <p:pRg st="0" end="0"/>
+                                            </p:txEl>
+                                          </p:spTgt>
+                                        </p:tgtEl>
+                                        <p:attrNameLst>
+                                          <p:attrName>ppt_x</p:attrName>
+                                        </p:attrNameLst>
+                                      </p:cBhvr>
+                                      <p:tavLst>
+                                        <p:tav tm="0">
+                                          <p:val>
+                                            <p:strVal val="#ppt_x"/>
+                                          </p:val>
+                                        </p:tav>
+                                        <p:tav tm="100000">
+                                          <p:val>
+                                            <p:strVal val="#ppt_x"/>
+                                          </p:val>
+                                        </p:tav>
+                                      </p:tavLst>
+                                    </p:anim>
+                                    <p:anim calcmode="lin" valueType="num">
+                                      <p:cBhvr additive="base">
+                                        <p:cTn id="12" dur="500" fill="hold"/>
+                                        <p:tgtEl>
+                                          <p:spTgt spid="12">
+                                            <p:txEl>
+                                              <p:pRg st="0" end="0"/>
+                                            </p:txEl>
+                                          </p:spTgt>
+                                        </p:tgtEl>
+                                        <p:attrNameLst>
+                                          <p:attrName>ppt_y</p:attrName>
+                                        </p:attrNameLst>
+                                      </p:cBhvr>
+                                      <p:tavLst>
+                                        <p:tav tm="0">
+                                          <p:val>
+                                            <p:strVal val="1+#ppt_h/2"/>
+                                          </p:val>
+                                        </p:tav>
+                                        <p:tav tm="100000">
+                                          <p:val>
+                                            <p:strVal val="#ppt_y"/>
+                                          </p:val>
+                                        </p:tav>
+                                      </p:tavLst>
+                                    </p:anim>
+                                  </p:childTnLst>
+                                </p:cTn>
+                              </p:par>
+                            </p:childTnLst>
+                          </p:cTn>
+                        </p:par>
+                        <p:par>
+                          <p:cTn id="13" fill="hold">
+                            <p:stCondLst>
+                              <p:cond delay="1000"/>
+                            </p:stCondLst>
+                            <p:childTnLst>
+                              <p:par>
+                                <p:cTn id="14" presetID="2" presetClass="entr" presetSubtype="4" fill="hold" grpId="0" nodeType="afterEffect">
+                                  <p:stCondLst>
+                                    <p:cond delay="0"/>
+                                  </p:stCondLst>
+                                  <p:childTnLst>
+                                    <p:set>
+                                      <p:cBhvr>
+                                        <p:cTn id="15" dur="1" fill="hold">
+                                          <p:stCondLst>
+                                            <p:cond delay="0"/>
+                                          </p:stCondLst>
+                                        </p:cTn>
+                                        <p:tgtEl>
+                                          <p:spTgt spid="12">
+                                            <p:txEl>
+                                              <p:pRg st="2" end="2"/>
+                                            </p:txEl>
+                                          </p:spTgt>
+                                        </p:tgtEl>
+                                        <p:attrNameLst>
+                                          <p:attrName>style.visibility</p:attrName>
+                                        </p:attrNameLst>
+                                      </p:cBhvr>
+                                      <p:to>
+                                        <p:strVal val="visible"/>
+                                      </p:to>
+                                    </p:set>
+                                    <p:anim calcmode="lin" valueType="num">
+                                      <p:cBhvr additive="base">
+                                        <p:cTn id="16" dur="500" fill="hold"/>
+                                        <p:tgtEl>
+                                          <p:spTgt spid="12">
+                                            <p:txEl>
+                                              <p:pRg st="2" end="2"/>
+                                            </p:txEl>
+                                          </p:spTgt>
+                                        </p:tgtEl>
+                                        <p:attrNameLst>
+                                          <p:attrName>ppt_x</p:attrName>
+                                        </p:attrNameLst>
+                                      </p:cBhvr>
+                                      <p:tavLst>
+                                        <p:tav tm="0">
+                                          <p:val>
+                                            <p:strVal val="#ppt_x"/>
+                                          </p:val>
+                                        </p:tav>
+                                        <p:tav tm="100000">
+                                          <p:val>
+                                            <p:strVal val="#ppt_x"/>
+                                          </p:val>
+                                        </p:tav>
+                                      </p:tavLst>
+                                    </p:anim>
+                                    <p:anim calcmode="lin" valueType="num">
+                                      <p:cBhvr additive="base">
+                                        <p:cTn id="17" dur="500" fill="hold"/>
+                                        <p:tgtEl>
+                                          <p:spTgt spid="12">
+                                            <p:txEl>
+                                              <p:pRg st="2" end="2"/>
+                                            </p:txEl>
+                                          </p:spTgt>
+                                        </p:tgtEl>
+                                        <p:attrNameLst>
+                                          <p:attrName>ppt_y</p:attrName>
+                                        </p:attrNameLst>
+                                      </p:cBhvr>
+                                      <p:tavLst>
+                                        <p:tav tm="0">
+                                          <p:val>
+                                            <p:strVal val="1+#ppt_h/2"/>
+                                          </p:val>
+                                        </p:tav>
+                                        <p:tav tm="100000">
+                                          <p:val>
+                                            <p:strVal val="#ppt_y"/>
+                                          </p:val>
+                                        </p:tav>
+                                      </p:tavLst>
+                                    </p:anim>
+                                  </p:childTnLst>
+                                </p:cTn>
+                              </p:par>
+                            </p:childTnLst>
+                          </p:cTn>
+                        </p:par>
+                        <p:par>
+                          <p:cTn id="18" fill="hold">
+                            <p:stCondLst>
+                              <p:cond delay="1500"/>
+                            </p:stCondLst>
+                            <p:childTnLst>
+                              <p:par>
+                                <p:cTn id="19" presetID="2" presetClass="entr" presetSubtype="4" fill="hold" grpId="0" nodeType="afterEffect">
+                                  <p:stCondLst>
+                                    <p:cond delay="0"/>
+                                  </p:stCondLst>
+                                  <p:childTnLst>
+                                    <p:set>
+                                      <p:cBhvr>
+                                        <p:cTn id="20" dur="1" fill="hold">
+                                          <p:stCondLst>
+                                            <p:cond delay="0"/>
+                                          </p:stCondLst>
+                                        </p:cTn>
+                                        <p:tgtEl>
+                                          <p:spTgt spid="12">
+                                            <p:txEl>
+                                              <p:pRg st="4" end="4"/>
+                                            </p:txEl>
+                                          </p:spTgt>
+                                        </p:tgtEl>
+                                        <p:attrNameLst>
+                                          <p:attrName>style.visibility</p:attrName>
+                                        </p:attrNameLst>
+                                      </p:cBhvr>
+                                      <p:to>
+                                        <p:strVal val="visible"/>
+                                      </p:to>
+                                    </p:set>
+                                    <p:anim calcmode="lin" valueType="num">
+                                      <p:cBhvr additive="base">
+                                        <p:cTn id="21" dur="500" fill="hold"/>
+                                        <p:tgtEl>
+                                          <p:spTgt spid="12">
+                                            <p:txEl>
+                                              <p:pRg st="4" end="4"/>
+                                            </p:txEl>
+                                          </p:spTgt>
+                                        </p:tgtEl>
+                                        <p:attrNameLst>
+                                          <p:attrName>ppt_x</p:attrName>
+                                        </p:attrNameLst>
+                                      </p:cBhvr>
+                                      <p:tavLst>
+                                        <p:tav tm="0">
+                                          <p:val>
+                                            <p:strVal val="#ppt_x"/>
+                                          </p:val>
+                                        </p:tav>
+                                        <p:tav tm="100000">
+                                          <p:val>
+                                            <p:strVal val="#ppt_x"/>
+                                          </p:val>
+                                        </p:tav>
+                                      </p:tavLst>
+                                    </p:anim>
+                                    <p:anim calcmode="lin" valueType="num">
+                                      <p:cBhvr additive="base">
+                                        <p:cTn id="22" dur="500" fill="hold"/>
+                                        <p:tgtEl>
+                                          <p:spTgt spid="12">
+                                            <p:txEl>
+                                              <p:pRg st="4" end="4"/>
+                                            </p:txEl>
+                                          </p:spTgt>
+                                        </p:tgtEl>
+                                        <p:attrNameLst>
+                                          <p:attrName>ppt_y</p:attrName>
+                                        </p:attrNameLst>
+                                      </p:cBhvr>
+                                      <p:tavLst>
+                                        <p:tav tm="0">
+                                          <p:val>
+                                            <p:strVal val="1+#ppt_h/2"/>
+                                          </p:val>
+                                        </p:tav>
+                                        <p:tav tm="100000">
+                                          <p:val>
+                                            <p:strVal val="#ppt_y"/>
+                                          </p:val>
+                                        </p:tav>
+                                      </p:tavLst>
+                                    </p:anim>
+                                  </p:childTnLst>
+                                </p:cTn>
+                              </p:par>
+                            </p:childTnLst>
+                          </p:cTn>
+                        </p:par>
+                        <p:par>
+                          <p:cTn id="23" fill="hold">
+                            <p:stCondLst>
+                              <p:cond delay="2000"/>
+                            </p:stCondLst>
+                            <p:childTnLst>
+                              <p:par>
+                                <p:cTn id="24" presetID="2" presetClass="entr" presetSubtype="4" fill="hold" grpId="0" nodeType="afterEffect">
+                                  <p:stCondLst>
+                                    <p:cond delay="0"/>
+                                  </p:stCondLst>
+                                  <p:childTnLst>
+                                    <p:set>
+                                      <p:cBhvr>
+                                        <p:cTn id="25" dur="1" fill="hold">
+                                          <p:stCondLst>
+                                            <p:cond delay="0"/>
+                                          </p:stCondLst>
+                                        </p:cTn>
+                                        <p:tgtEl>
+                                          <p:spTgt spid="12">
+                                            <p:txEl>
+                                              <p:pRg st="6" end="6"/>
+                                            </p:txEl>
+                                          </p:spTgt>
+                                        </p:tgtEl>
+                                        <p:attrNameLst>
+                                          <p:attrName>style.visibility</p:attrName>
+                                        </p:attrNameLst>
+                                      </p:cBhvr>
+                                      <p:to>
+                                        <p:strVal val="visible"/>
+                                      </p:to>
+                                    </p:set>
+                                    <p:anim calcmode="lin" valueType="num">
+                                      <p:cBhvr additive="base">
+                                        <p:cTn id="26" dur="500" fill="hold"/>
+                                        <p:tgtEl>
+                                          <p:spTgt spid="12">
+                                            <p:txEl>
+                                              <p:pRg st="6" end="6"/>
+                                            </p:txEl>
+                                          </p:spTgt>
+                                        </p:tgtEl>
+                                        <p:attrNameLst>
+                                          <p:attrName>ppt_x</p:attrName>
+                                        </p:attrNameLst>
+                                      </p:cBhvr>
+                                      <p:tavLst>
+                                        <p:tav tm="0">
+                                          <p:val>
+                                            <p:strVal val="#ppt_x"/>
+                                          </p:val>
+                                        </p:tav>
+                                        <p:tav tm="100000">
+                                          <p:val>
+                                            <p:strVal val="#ppt_x"/>
+                                          </p:val>
+                                        </p:tav>
+                                      </p:tavLst>
+                                    </p:anim>
+                                    <p:anim calcmode="lin" valueType="num">
+                                      <p:cBhvr additive="base">
+                                        <p:cTn id="27" dur="500" fill="hold"/>
+                                        <p:tgtEl>
+                                          <p:spTgt spid="12">
+                                            <p:txEl>
+                                              <p:pRg st="6" end="6"/>
+                                            </p:txEl>
+                                          </p:spTgt>
+                                        </p:tgtEl>
+                                        <p:attrNameLst>
+                                          <p:attrName>ppt_y</p:attrName>
+                                        </p:attrNameLst>
+                                      </p:cBhvr>
+                                      <p:tavLst>
+                                        <p:tav tm="0">
+                                          <p:val>
+                                            <p:strVal val="1+#ppt_h/2"/>
+                                          </p:val>
+                                        </p:tav>
+                                        <p:tav tm="100000">
+                                          <p:val>
+                                            <p:strVal val="#ppt_y"/>
+                                          </p:val>
+                                        </p:tav>
+                                      </p:tavLst>
+                                    </p:anim>
+                                  </p:childTnLst>
+                                </p:cTn>
+                              </p:par>
+                            </p:childTnLst>
+                          </p:cTn>
+                        </p:par>
+                        <p:par>
+                          <p:cTn id="28" fill="hold">
+                            <p:stCondLst>
+                              <p:cond delay="2500"/>
+                            </p:stCondLst>
+                            <p:childTnLst>
+                              <p:par>
+                                <p:cTn id="29" presetID="2" presetClass="entr" presetSubtype="4" fill="hold" grpId="0" nodeType="afterEffect">
+                                  <p:stCondLst>
+                                    <p:cond delay="0"/>
+                                  </p:stCondLst>
+                                  <p:childTnLst>
+                                    <p:set>
+                                      <p:cBhvr>
+                                        <p:cTn id="30" dur="1" fill="hold">
+                                          <p:stCondLst>
+                                            <p:cond delay="0"/>
+                                          </p:stCondLst>
+                                        </p:cTn>
+                                        <p:tgtEl>
+                                          <p:spTgt spid="12">
+                                            <p:txEl>
+                                              <p:pRg st="8" end="8"/>
+                                            </p:txEl>
+                                          </p:spTgt>
+                                        </p:tgtEl>
+                                        <p:attrNameLst>
+                                          <p:attrName>style.visibility</p:attrName>
+                                        </p:attrNameLst>
+                                      </p:cBhvr>
+                                      <p:to>
+                                        <p:strVal val="visible"/>
+                                      </p:to>
+                                    </p:set>
+                                    <p:anim calcmode="lin" valueType="num">
+                                      <p:cBhvr additive="base">
+                                        <p:cTn id="31" dur="500" fill="hold"/>
+                                        <p:tgtEl>
+                                          <p:spTgt spid="12">
+                                            <p:txEl>
+                                              <p:pRg st="8" end="8"/>
+                                            </p:txEl>
+                                          </p:spTgt>
+                                        </p:tgtEl>
+                                        <p:attrNameLst>
+                                          <p:attrName>ppt_x</p:attrName>
+                                        </p:attrNameLst>
+                                      </p:cBhvr>
+                                      <p:tavLst>
+                                        <p:tav tm="0">
+                                          <p:val>
+                                            <p:strVal val="#ppt_x"/>
+                                          </p:val>
+                                        </p:tav>
+                                        <p:tav tm="100000">
+                                          <p:val>
+                                            <p:strVal val="#ppt_x"/>
+                                          </p:val>
+                                        </p:tav>
+                                      </p:tavLst>
+                                    </p:anim>
+                                    <p:anim calcmode="lin" valueType="num">
+                                      <p:cBhvr additive="base">
+                                        <p:cTn id="32" dur="500" fill="hold"/>
+                                        <p:tgtEl>
+                                          <p:spTgt spid="12">
+                                            <p:txEl>
+                                              <p:pRg st="8" end="8"/>
+                                            </p:txEl>
+                                          </p:spTgt>
+                                        </p:tgtEl>
+                                        <p:attrNameLst>
+                                          <p:attrName>ppt_y</p:attrName>
+                                        </p:attrNameLst>
+                                      </p:cBhvr>
+                                      <p:tavLst>
+                                        <p:tav tm="0">
+                                          <p:val>
+                                            <p:strVal val="1+#ppt_h/2"/>
+                                          </p:val>
+                                        </p:tav>
+                                        <p:tav tm="100000">
+                                          <p:val>
+                                            <p:strVal val="#ppt_y"/>
+                                          </p:val>
+                                        </p:tav>
+                                      </p:tavLst>
+                                    </p:anim>
+                                  </p:childTnLst>
+                                </p:cTn>
+                              </p:par>
+                            </p:childTnLst>
+                          </p:cTn>
+                        </p:par>
+                        <p:par>
+                          <p:cTn id="33" fill="hold">
+                            <p:stCondLst>
+                              <p:cond delay="3000"/>
+                            </p:stCondLst>
+                            <p:childTnLst>
+                              <p:par>
+                                <p:cTn id="34" presetID="2" presetClass="entr" presetSubtype="4" fill="hold" grpId="0" nodeType="afterEffect">
+                                  <p:stCondLst>
+                                    <p:cond delay="0"/>
+                                  </p:stCondLst>
+                                  <p:childTnLst>
+                                    <p:set>
+                                      <p:cBhvr>
+                                        <p:cTn id="35" dur="1" fill="hold">
+                                          <p:stCondLst>
+                                            <p:cond delay="0"/>
+                                          </p:stCondLst>
+                                        </p:cTn>
+                                        <p:tgtEl>
+                                          <p:spTgt spid="12">
+                                            <p:txEl>
+                                              <p:pRg st="10" end="10"/>
+                                            </p:txEl>
+                                          </p:spTgt>
+                                        </p:tgtEl>
+                                        <p:attrNameLst>
+                                          <p:attrName>style.visibility</p:attrName>
+                                        </p:attrNameLst>
+                                      </p:cBhvr>
+                                      <p:to>
+                                        <p:strVal val="visible"/>
+                                      </p:to>
+                                    </p:set>
+                                    <p:anim calcmode="lin" valueType="num">
+                                      <p:cBhvr additive="base">
+                                        <p:cTn id="36" dur="500" fill="hold"/>
+                                        <p:tgtEl>
+                                          <p:spTgt spid="12">
+                                            <p:txEl>
+                                              <p:pRg st="10" end="10"/>
+                                            </p:txEl>
+                                          </p:spTgt>
+                                        </p:tgtEl>
+                                        <p:attrNameLst>
+                                          <p:attrName>ppt_x</p:attrName>
+                                        </p:attrNameLst>
+                                      </p:cBhvr>
+                                      <p:tavLst>
+                                        <p:tav tm="0">
+                                          <p:val>
+                                            <p:strVal val="#ppt_x"/>
+                                          </p:val>
+                                        </p:tav>
+                                        <p:tav tm="100000">
+                                          <p:val>
+                                            <p:strVal val="#ppt_x"/>
+                                          </p:val>
+                                        </p:tav>
+                                      </p:tavLst>
+                                    </p:anim>
+                                    <p:anim calcmode="lin" valueType="num">
+                                      <p:cBhvr additive="base">
+                                        <p:cTn id="37" dur="500" fill="hold"/>
+                                        <p:tgtEl>
+                                          <p:spTgt spid="12">
+                                            <p:txEl>
+                                              <p:pRg st="10" end="10"/>
+                                            </p:txEl>
+                                          </p:spTgt>
+                                        </p:tgtEl>
+                                        <p:attrNameLst>
+                                          <p:attrName>ppt_y</p:attrName>
+                                        </p:attrNameLst>
+                                      </p:cBhvr>
+                                      <p:tavLst>
+                                        <p:tav tm="0">
+                                          <p:val>
+                                            <p:strVal val="1+#ppt_h/2"/>
+                                          </p:val>
+                                        </p:tav>
+                                        <p:tav tm="100000">
+                                          <p:val>
+                                            <p:strVal val="#ppt_y"/>
+                                          </p:val>
+                                        </p:tav>
+                                      </p:tavLst>
+                                    </p:anim>
+                                  </p:childTnLst>
+                                </p:cTn>
+                              </p:par>
+                            </p:childTnLst>
+                          </p:cTn>
+                        </p:par>
+                      </p:childTnLst>
+                    </p:cTn>
+                  </p:par>
+                </p:childTnLst>
+              </p:cTn>
+              <p:prevCondLst>
+                <p:cond evt="onPrev" delay="0">
+                  <p:tgtEl>
+                    <p:sldTgt/>
+                  </p:tgtEl>
+                </p:cond>
+              </p:prevCondLst>
+              <p:nextCondLst>
+                <p:cond evt="onNext" delay="0">
+                  <p:tgtEl>
+                    <p:sldTgt/>
+                  </p:tgtEl>
+                </p:cond>
+              </p:nextCondLst>
+            </p:seq>
+          </p:childTnLst>
+        </p:cTn>
+      </p:par>
+    </p:tnLst>
+    <p:bldLst>
+      <p:bldP spid="3" grpId="0"/>
+      <p:bldP spid="12" grpId="0" build="p"/>
+    </p:bldLst>
+  </p:timing>
+</p:sld>
+</file>
+
+<file path=ppt/slides/slide4.xml><?xml version="1.0" encoding="utf-8"?>
+<p:sld xmlns:a="http://schemas.openxmlformats.org/drawingml/2006/main" xmlns:r="http://schemas.openxmlformats.org/officeDocument/2006/relationships" xmlns:p="http://schemas.openxmlformats.org/presentationml/2006/main">
+  <p:cSld>
+    <p:spTree>
+      <p:nvGrpSpPr>
+        <p:cNvPr id="1" name=""/>
+        <p:cNvGrpSpPr/>
+        <p:nvPr/>
+      </p:nvGrpSpPr>
+      <p:grpSpPr>
+        <a:xfrm>
+          <a:off x="0" y="0"/>
+          <a:ext cx="0" cy="0"/>
+          <a:chOff x="0" y="0"/>
+          <a:chExt cx="0" cy="0"/>
+        </a:xfrm>
+      </p:grpSpPr>
+      <p:sp>
+        <p:nvSpPr>
+          <p:cNvPr id="5" name="Rectángulo 4">
+            <a:extLst>
+              <a:ext uri="{FF2B5EF4-FFF2-40B4-BE49-F238E27FC236}">
+                <a16:creationId xmlns:a16="http://schemas.microsoft.com/office/drawing/2014/main" id="{094A6736-35AD-441B-9AE8-0B811CA4A999}"/>
+              </a:ext>
+            </a:extLst>
+          </p:cNvPr>
+          <p:cNvSpPr/>
+          <p:nvPr/>
+        </p:nvSpPr>
+        <p:spPr>
+          <a:xfrm>
+            <a:off x="-1" y="0"/>
+            <a:ext cx="9144001" cy="6858000"/>
+          </a:xfrm>
+          <a:prstGeom prst="rect">
+            <a:avLst/>
+          </a:prstGeom>
+          <a:blipFill>
+            <a:blip r:embed="rId2"/>
+            <a:stretch>
+              <a:fillRect b="-8452"/>
+            </a:stretch>
+          </a:blipFill>
+          <a:ln>
+            <a:noFill/>
+          </a:ln>
+        </p:spPr>
+        <p:style>
+          <a:lnRef idx="2">
+            <a:schemeClr val="accent1">
+              <a:shade val="50000"/>
+            </a:schemeClr>
+          </a:lnRef>
+          <a:fillRef idx="1">
+            <a:schemeClr val="accent1"/>
+          </a:fillRef>
+          <a:effectRef idx="0">
+            <a:schemeClr val="accent1"/>
+          </a:effectRef>
+          <a:fontRef idx="minor">
+            <a:schemeClr val="lt1"/>
+          </a:fontRef>
+        </p:style>
+        <p:txBody>
+          <a:bodyPr rtlCol="0" anchor="ctr"/>
+          <a:lstStyle/>
+          <a:p>
+            <a:br>
+              <a:rPr lang="es-ES" sz="1500" dirty="0">
+                <a:solidFill>
+                  <a:schemeClr val="tx1"/>
+                </a:solidFill>
+                <a:latin typeface="Times New Roman" panose="02020603050405020304" pitchFamily="18" charset="0"/>
+              </a:rPr>
+            </a:br>
+            <a:endParaRPr lang="es-CO" sz="1500" u="sng" dirty="0">
+              <a:solidFill>
+                <a:schemeClr val="tx1"/>
+              </a:solidFill>
+            </a:endParaRPr>
+          </a:p>
+        </p:txBody>
+      </p:sp>
+      <p:sp>
+        <p:nvSpPr>
+          <p:cNvPr id="6" name="Rectángulo 5">
+            <a:extLst>
+              <a:ext uri="{FF2B5EF4-FFF2-40B4-BE49-F238E27FC236}">
+                <a16:creationId xmlns:a16="http://schemas.microsoft.com/office/drawing/2014/main" id="{1D7BAA42-1A8A-43C8-B209-D1AFAA845598}"/>
+              </a:ext>
+            </a:extLst>
+          </p:cNvPr>
+          <p:cNvSpPr/>
+          <p:nvPr/>
+        </p:nvSpPr>
+        <p:spPr>
+          <a:xfrm>
+            <a:off x="-3" y="0"/>
+            <a:ext cx="9144001" cy="6858000"/>
+          </a:xfrm>
+          <a:prstGeom prst="rect">
+            <a:avLst/>
+          </a:prstGeom>
+          <a:gradFill flip="none" rotWithShape="1">
+            <a:gsLst>
+              <a:gs pos="0">
+                <a:schemeClr val="accent1">
+                  <a:lumMod val="0"/>
+                  <a:lumOff val="100000"/>
+                  <a:alpha val="60000"/>
+                </a:schemeClr>
+              </a:gs>
+              <a:gs pos="35000">
+                <a:schemeClr val="accent1">
+                  <a:lumMod val="0"/>
+                  <a:lumOff val="100000"/>
+                  <a:alpha val="96000"/>
+                </a:schemeClr>
+              </a:gs>
+              <a:gs pos="100000">
+                <a:schemeClr val="accent1">
+                  <a:lumMod val="100000"/>
+                  <a:alpha val="80000"/>
+                </a:schemeClr>
+              </a:gs>
+            </a:gsLst>
+            <a:path path="circle">
+              <a:fillToRect l="50000" t="-80000" r="50000" b="180000"/>
+            </a:path>
+            <a:tileRect/>
+          </a:gradFill>
+          <a:ln>
+            <a:noFill/>
+          </a:ln>
+        </p:spPr>
+        <p:style>
+          <a:lnRef idx="2">
+            <a:schemeClr val="accent1">
+              <a:shade val="50000"/>
+            </a:schemeClr>
+          </a:lnRef>
+          <a:fillRef idx="1">
+            <a:schemeClr val="accent1"/>
+          </a:fillRef>
+          <a:effectRef idx="0">
+            <a:schemeClr val="accent1"/>
+          </a:effectRef>
+          <a:fontRef idx="minor">
+            <a:schemeClr val="lt1"/>
+          </a:fontRef>
+        </p:style>
+        <p:txBody>
+          <a:bodyPr rtlCol="0" anchor="ctr"/>
+          <a:lstStyle/>
+          <a:p>
+            <a:br>
+              <a:rPr lang="es-ES" sz="1500" u="sng" dirty="0">
+                <a:solidFill>
+                  <a:schemeClr val="tx1"/>
+                </a:solidFill>
+                <a:latin typeface="Times New Roman" panose="02020603050405020304" pitchFamily="18" charset="0"/>
+              </a:rPr>
+            </a:br>
+            <a:endParaRPr lang="es-CO" sz="1500" u="sng" dirty="0">
+              <a:solidFill>
+                <a:schemeClr val="tx1"/>
+              </a:solidFill>
+            </a:endParaRPr>
+          </a:p>
+        </p:txBody>
+      </p:sp>
+      <p:sp>
+        <p:nvSpPr>
+          <p:cNvPr id="7" name="Rectángulo 6">
+            <a:extLst>
+              <a:ext uri="{FF2B5EF4-FFF2-40B4-BE49-F238E27FC236}">
+                <a16:creationId xmlns:a16="http://schemas.microsoft.com/office/drawing/2014/main" id="{6D40454D-C0AF-45D9-99F1-E89DFB63D5B5}"/>
+              </a:ext>
+            </a:extLst>
+          </p:cNvPr>
+          <p:cNvSpPr/>
+          <p:nvPr/>
+        </p:nvSpPr>
+        <p:spPr>
+          <a:xfrm>
+            <a:off x="1777557" y="283976"/>
+            <a:ext cx="5022209" cy="923330"/>
+          </a:xfrm>
+          <a:prstGeom prst="rect">
+            <a:avLst/>
+          </a:prstGeom>
+          <a:noFill/>
+        </p:spPr>
+        <p:txBody>
+          <a:bodyPr wrap="none" lIns="91440" tIns="45720" rIns="91440" bIns="45720">
+            <a:spAutoFit/>
+          </a:bodyPr>
+          <a:lstStyle/>
+          <a:p>
+            <a:pPr algn="ctr"/>
+            <a:r>
+              <a:rPr lang="es-ES" sz="5400" b="1" dirty="0">
+                <a:ln/>
+                <a:pattFill prst="dkUpDiag">
+                  <a:fgClr>
+                    <a:schemeClr val="bg1">
+                      <a:lumMod val="50000"/>
+                    </a:schemeClr>
+                  </a:fgClr>
+                  <a:bgClr>
+                    <a:schemeClr val="tx1">
+                      <a:lumMod val="75000"/>
+                      <a:lumOff val="25000"/>
+                    </a:schemeClr>
+                  </a:bgClr>
+                </a:pattFill>
+                <a:effectLst>
+                  <a:outerShdw blurRad="38100" dist="19050" dir="2700000" algn="tl" rotWithShape="0">
+                    <a:schemeClr val="dk1">
+                      <a:lumMod val="50000"/>
+                      <a:alpha val="40000"/>
+                    </a:schemeClr>
+                  </a:outerShdw>
+                </a:effectLst>
+              </a:rPr>
+              <a:t>Descubrimientos</a:t>
+            </a:r>
+          </a:p>
+        </p:txBody>
+      </p:sp>
+      <p:sp>
+        <p:nvSpPr>
+          <p:cNvPr id="8" name="CuadroTexto 7">
+            <a:extLst>
+              <a:ext uri="{FF2B5EF4-FFF2-40B4-BE49-F238E27FC236}">
+                <a16:creationId xmlns:a16="http://schemas.microsoft.com/office/drawing/2014/main" id="{9F431FC4-8900-476E-8857-2068E6824770}"/>
+              </a:ext>
+            </a:extLst>
+          </p:cNvPr>
+          <p:cNvSpPr txBox="1"/>
+          <p:nvPr/>
+        </p:nvSpPr>
+        <p:spPr>
+          <a:xfrm>
+            <a:off x="260795" y="1361852"/>
+            <a:ext cx="8622403" cy="4893647"/>
+          </a:xfrm>
+          <a:prstGeom prst="rect">
+            <a:avLst/>
+          </a:prstGeom>
+          <a:noFill/>
+        </p:spPr>
+        <p:txBody>
+          <a:bodyPr wrap="square" rtlCol="0">
+            <a:spAutoFit/>
+          </a:bodyPr>
+          <a:lstStyle/>
+          <a:p>
+            <a:pPr marL="342900" indent="-342900">
+              <a:buFont typeface="Wingdings" panose="05000000000000000000" pitchFamily="2" charset="2"/>
+              <a:buChar char="Ø"/>
+            </a:pPr>
+            <a:r>
+              <a:rPr lang="es-ES" sz="2400" dirty="0">
+                <a:solidFill>
+                  <a:schemeClr val="tx2">
+                    <a:lumMod val="50000"/>
+                  </a:schemeClr>
+                </a:solidFill>
+                <a:latin typeface="Arial" panose="020B0604020202020204" pitchFamily="34" charset="0"/>
+                <a:cs typeface="Arial" panose="020B0604020202020204" pitchFamily="34" charset="0"/>
+              </a:rPr>
+              <a:t>El Gato con Botas es un cuento popular Europeo recopilado, en 1695, por Charles Perrault y publicado en 1697 en su libro Cuentos de antaño como Maese Gato o el Gato con Botas. </a:t>
+            </a:r>
+          </a:p>
+          <a:p>
+            <a:pPr marL="457200" indent="-457200">
+              <a:buFont typeface="Wingdings" panose="05000000000000000000" pitchFamily="2" charset="2"/>
+              <a:buChar char="Ø"/>
+            </a:pPr>
+            <a:endParaRPr lang="es-ES" sz="2400" dirty="0">
+              <a:solidFill>
+                <a:schemeClr val="tx2">
+                  <a:lumMod val="50000"/>
+                </a:schemeClr>
+              </a:solidFill>
+              <a:latin typeface="Arial" panose="020B0604020202020204" pitchFamily="34" charset="0"/>
+              <a:cs typeface="Arial" panose="020B0604020202020204" pitchFamily="34" charset="0"/>
+            </a:endParaRPr>
+          </a:p>
+          <a:p>
+            <a:pPr marL="342900" indent="-342900">
+              <a:buFont typeface="Wingdings" panose="05000000000000000000" pitchFamily="2" charset="2"/>
+              <a:buChar char="Ø"/>
+            </a:pPr>
+            <a:r>
+              <a:rPr lang="es-ES" sz="2400" dirty="0">
+                <a:solidFill>
+                  <a:schemeClr val="tx2">
+                    <a:lumMod val="50000"/>
+                  </a:schemeClr>
+                </a:solidFill>
+                <a:latin typeface="Arial" panose="020B0604020202020204" pitchFamily="34" charset="0"/>
+                <a:cs typeface="Arial" panose="020B0604020202020204" pitchFamily="34" charset="0"/>
+              </a:rPr>
+              <a:t>Cuenta la historia de un Gato que, a base de astucia y engaños, consigue la fortuna y la mano de una princesa para su amo, totalmente pobre. </a:t>
+            </a:r>
+          </a:p>
+          <a:p>
+            <a:pPr marL="457200" indent="-457200">
+              <a:buFont typeface="Wingdings" panose="05000000000000000000" pitchFamily="2" charset="2"/>
+              <a:buChar char="Ø"/>
+            </a:pPr>
+            <a:endParaRPr lang="es-ES" sz="2400" dirty="0">
+              <a:solidFill>
+                <a:schemeClr val="tx2">
+                  <a:lumMod val="50000"/>
+                </a:schemeClr>
+              </a:solidFill>
+              <a:latin typeface="Arial" panose="020B0604020202020204" pitchFamily="34" charset="0"/>
+              <a:cs typeface="Arial" panose="020B0604020202020204" pitchFamily="34" charset="0"/>
+            </a:endParaRPr>
+          </a:p>
+          <a:p>
+            <a:pPr marL="342900" indent="-342900">
+              <a:buFont typeface="Wingdings" panose="05000000000000000000" pitchFamily="2" charset="2"/>
+              <a:buChar char="Ø"/>
+            </a:pPr>
+            <a:r>
+              <a:rPr lang="es-ES" sz="2400" dirty="0">
+                <a:solidFill>
+                  <a:schemeClr val="tx2">
+                    <a:lumMod val="50000"/>
+                  </a:schemeClr>
+                </a:solidFill>
+                <a:latin typeface="Arial" panose="020B0604020202020204" pitchFamily="34" charset="0"/>
+                <a:cs typeface="Arial" panose="020B0604020202020204" pitchFamily="34" charset="0"/>
+              </a:rPr>
+              <a:t>El libro manuscrito de 1695 está dedicado a </a:t>
+            </a:r>
+            <a:r>
+              <a:rPr lang="es-ES" sz="2400" dirty="0" err="1">
+                <a:solidFill>
+                  <a:schemeClr val="tx2">
+                    <a:lumMod val="50000"/>
+                  </a:schemeClr>
+                </a:solidFill>
+                <a:latin typeface="Arial" panose="020B0604020202020204" pitchFamily="34" charset="0"/>
+                <a:cs typeface="Arial" panose="020B0604020202020204" pitchFamily="34" charset="0"/>
+              </a:rPr>
+              <a:t>Mademoiselle</a:t>
+            </a:r>
+            <a:r>
+              <a:rPr lang="es-ES" sz="2400" dirty="0">
+                <a:solidFill>
+                  <a:schemeClr val="tx2">
+                    <a:lumMod val="50000"/>
+                  </a:schemeClr>
+                </a:solidFill>
+                <a:latin typeface="Arial" panose="020B0604020202020204" pitchFamily="34" charset="0"/>
+                <a:cs typeface="Arial" panose="020B0604020202020204" pitchFamily="34" charset="0"/>
+              </a:rPr>
+              <a:t>, sobrina de Luis XIV. El Gato con Botas fue un éxito desde su primera publicación y sigue siendo popular, a pesar de su moral ambigua.</a:t>
+            </a:r>
+          </a:p>
+        </p:txBody>
+      </p:sp>
+    </p:spTree>
+    <p:extLst>
+      <p:ext uri="{BB962C8B-B14F-4D97-AF65-F5344CB8AC3E}">
+        <p14:creationId xmlns:p14="http://schemas.microsoft.com/office/powerpoint/2010/main" val="2742682278"/>
+      </p:ext>
+    </p:extLst>
+  </p:cSld>
+  <p:clrMapOvr>
+    <a:masterClrMapping/>
+  </p:clrMapOvr>
+  <mc:AlternateContent xmlns:mc="http://schemas.openxmlformats.org/markup-compatibility/2006">
+    <mc:Choice xmlns:p14="http://schemas.microsoft.com/office/powerpoint/2010/main" Requires="p14">
+      <p:transition spd="slow" p14:dur="1200">
+        <p14:prism/>
+      </p:transition>
+    </mc:Choice>
+    <mc:Fallback>
+      <p:transition spd="slow">
+        <p:fade/>
+      </p:transition>
+    </mc:Fallback>
+  </mc:AlternateContent>
+  <p:timing>
+    <p:tnLst>
+      <p:par>
+        <p:cTn id="1" dur="indefinite" restart="never" nodeType="tmRoot">
+          <p:childTnLst>
+            <p:seq concurrent="1" nextAc="seek">
+              <p:cTn id="2" dur="indefinite" nodeType="mainSeq">
+                <p:childTnLst>
+                  <p:par>
+                    <p:cTn id="3" fill="hold">
+                      <p:stCondLst>
+                        <p:cond delay="indefinite"/>
+                        <p:cond evt="onBegin" delay="0">
+                          <p:tn val="2"/>
+                        </p:cond>
+                      </p:stCondLst>
+                      <p:childTnLst>
+                        <p:par>
+                          <p:cTn id="4" fill="hold">
+                            <p:stCondLst>
+                              <p:cond delay="0"/>
+                            </p:stCondLst>
+                            <p:childTnLst>
+                              <p:par>
+                                <p:cTn id="5" presetID="2" presetClass="entr" presetSubtype="8" fill="hold" grpId="0" nodeType="afterEffect">
+                                  <p:stCondLst>
+                                    <p:cond delay="0"/>
+                                  </p:stCondLst>
+                                  <p:childTnLst>
+                                    <p:set>
+                                      <p:cBhvr>
+                                        <p:cTn id="6" dur="1" fill="hold">
+                                          <p:stCondLst>
+                                            <p:cond delay="0"/>
+                                          </p:stCondLst>
+                                        </p:cTn>
+                                        <p:tgtEl>
+                                          <p:spTgt spid="7"/>
+                                        </p:tgtEl>
+                                        <p:attrNameLst>
+                                          <p:attrName>style.visibility</p:attrName>
+                                        </p:attrNameLst>
+                                      </p:cBhvr>
+                                      <p:to>
+                                        <p:strVal val="visible"/>
+                                      </p:to>
+                                    </p:set>
+                                    <p:anim calcmode="lin" valueType="num">
+                                      <p:cBhvr additive="base">
+                                        <p:cTn id="7" dur="500" fill="hold"/>
+                                        <p:tgtEl>
+                                          <p:spTgt spid="7"/>
+                                        </p:tgtEl>
+                                        <p:attrNameLst>
+                                          <p:attrName>ppt_x</p:attrName>
+                                        </p:attrNameLst>
+                                      </p:cBhvr>
+                                      <p:tavLst>
+                                        <p:tav tm="0">
+                                          <p:val>
+                                            <p:strVal val="0-#ppt_w/2"/>
+                                          </p:val>
+                                        </p:tav>
+                                        <p:tav tm="100000">
+                                          <p:val>
+                                            <p:strVal val="#ppt_x"/>
+                                          </p:val>
+                                        </p:tav>
+                                      </p:tavLst>
+                                    </p:anim>
+                                    <p:anim calcmode="lin" valueType="num">
+                                      <p:cBhvr additive="base">
+                                        <p:cTn id="8" dur="500" fill="hold"/>
+                                        <p:tgtEl>
+                                          <p:spTgt spid="7"/>
+                                        </p:tgtEl>
+                                        <p:attrNameLst>
+                                          <p:attrName>ppt_y</p:attrName>
+                                        </p:attrNameLst>
+                                      </p:cBhvr>
+                                      <p:tavLst>
+                                        <p:tav tm="0">
+                                          <p:val>
+                                            <p:strVal val="#ppt_y"/>
+                                          </p:val>
+                                        </p:tav>
+                                        <p:tav tm="100000">
+                                          <p:val>
+                                            <p:strVal val="#ppt_y"/>
+                                          </p:val>
+                                        </p:tav>
+                                      </p:tavLst>
+                                    </p:anim>
+                                  </p:childTnLst>
+                                </p:cTn>
+                              </p:par>
+                            </p:childTnLst>
+                          </p:cTn>
+                        </p:par>
+                        <p:par>
+                          <p:cTn id="9" fill="hold">
+                            <p:stCondLst>
+                              <p:cond delay="500"/>
+                            </p:stCondLst>
+                            <p:childTnLst>
+                              <p:par>
+                                <p:cTn id="10" presetID="2" presetClass="entr" presetSubtype="8" fill="hold" grpId="0" nodeType="afterEffect">
+                                  <p:stCondLst>
+                                    <p:cond delay="0"/>
+                                  </p:stCondLst>
+                                  <p:childTnLst>
+                                    <p:set>
+                                      <p:cBhvr>
+                                        <p:cTn id="11" dur="1" fill="hold">
+                                          <p:stCondLst>
+                                            <p:cond delay="0"/>
+                                          </p:stCondLst>
+                                        </p:cTn>
+                                        <p:tgtEl>
+                                          <p:spTgt spid="8">
+                                            <p:txEl>
+                                              <p:pRg st="0" end="0"/>
+                                            </p:txEl>
+                                          </p:spTgt>
+                                        </p:tgtEl>
+                                        <p:attrNameLst>
+                                          <p:attrName>style.visibility</p:attrName>
+                                        </p:attrNameLst>
+                                      </p:cBhvr>
+                                      <p:to>
+                                        <p:strVal val="visible"/>
+                                      </p:to>
+                                    </p:set>
+                                    <p:anim calcmode="lin" valueType="num">
+                                      <p:cBhvr additive="base">
+                                        <p:cTn id="12" dur="1000" fill="hold"/>
+                                        <p:tgtEl>
+                                          <p:spTgt spid="8">
+                                            <p:txEl>
+                                              <p:pRg st="0" end="0"/>
+                                            </p:txEl>
+                                          </p:spTgt>
+                                        </p:tgtEl>
+                                        <p:attrNameLst>
+                                          <p:attrName>ppt_x</p:attrName>
+                                        </p:attrNameLst>
+                                      </p:cBhvr>
+                                      <p:tavLst>
+                                        <p:tav tm="0">
+                                          <p:val>
+                                            <p:strVal val="0-#ppt_w/2"/>
+                                          </p:val>
+                                        </p:tav>
+                                        <p:tav tm="100000">
+                                          <p:val>
+                                            <p:strVal val="#ppt_x"/>
+                                          </p:val>
+                                        </p:tav>
+                                      </p:tavLst>
+                                    </p:anim>
+                                    <p:anim calcmode="lin" valueType="num">
+                                      <p:cBhvr additive="base">
+                                        <p:cTn id="13" dur="1000" fill="hold"/>
+                                        <p:tgtEl>
+                                          <p:spTgt spid="8">
+                                            <p:txEl>
+                                              <p:pRg st="0" end="0"/>
+                                            </p:txEl>
+                                          </p:spTgt>
+                                        </p:tgtEl>
+                                        <p:attrNameLst>
+                                          <p:attrName>ppt_y</p:attrName>
+                                        </p:attrNameLst>
+                                      </p:cBhvr>
+                                      <p:tavLst>
+                                        <p:tav tm="0">
+                                          <p:val>
+                                            <p:strVal val="#ppt_y"/>
+                                          </p:val>
+                                        </p:tav>
+                                        <p:tav tm="100000">
+                                          <p:val>
+                                            <p:strVal val="#ppt_y"/>
+                                          </p:val>
+                                        </p:tav>
+                                      </p:tavLst>
+                                    </p:anim>
+                                  </p:childTnLst>
+                                </p:cTn>
+                              </p:par>
+                            </p:childTnLst>
+                          </p:cTn>
+                        </p:par>
+                        <p:par>
+                          <p:cTn id="14" fill="hold">
+                            <p:stCondLst>
+                              <p:cond delay="1500"/>
+                            </p:stCondLst>
+                            <p:childTnLst>
+                              <p:par>
+                                <p:cTn id="15" presetID="2" presetClass="entr" presetSubtype="8" fill="hold" grpId="0" nodeType="afterEffect">
+                                  <p:stCondLst>
+                                    <p:cond delay="0"/>
+                                  </p:stCondLst>
+                                  <p:childTnLst>
+                                    <p:set>
+                                      <p:cBhvr>
+                                        <p:cTn id="16" dur="1" fill="hold">
+                                          <p:stCondLst>
+                                            <p:cond delay="0"/>
+                                          </p:stCondLst>
+                                        </p:cTn>
+                                        <p:tgtEl>
+                                          <p:spTgt spid="8">
+                                            <p:txEl>
+                                              <p:pRg st="2" end="2"/>
+                                            </p:txEl>
+                                          </p:spTgt>
+                                        </p:tgtEl>
+                                        <p:attrNameLst>
+                                          <p:attrName>style.visibility</p:attrName>
+                                        </p:attrNameLst>
+                                      </p:cBhvr>
+                                      <p:to>
+                                        <p:strVal val="visible"/>
+                                      </p:to>
+                                    </p:set>
+                                    <p:anim calcmode="lin" valueType="num">
+                                      <p:cBhvr additive="base">
+                                        <p:cTn id="17" dur="1000" fill="hold"/>
+                                        <p:tgtEl>
+                                          <p:spTgt spid="8">
+                                            <p:txEl>
+                                              <p:pRg st="2" end="2"/>
+                                            </p:txEl>
+                                          </p:spTgt>
+                                        </p:tgtEl>
+                                        <p:attrNameLst>
+                                          <p:attrName>ppt_x</p:attrName>
+                                        </p:attrNameLst>
+                                      </p:cBhvr>
+                                      <p:tavLst>
+                                        <p:tav tm="0">
+                                          <p:val>
+                                            <p:strVal val="0-#ppt_w/2"/>
+                                          </p:val>
+                                        </p:tav>
+                                        <p:tav tm="100000">
+                                          <p:val>
+                                            <p:strVal val="#ppt_x"/>
+                                          </p:val>
+                                        </p:tav>
+                                      </p:tavLst>
+                                    </p:anim>
+                                    <p:anim calcmode="lin" valueType="num">
+                                      <p:cBhvr additive="base">
+                                        <p:cTn id="18" dur="1000" fill="hold"/>
+                                        <p:tgtEl>
+                                          <p:spTgt spid="8">
+                                            <p:txEl>
+                                              <p:pRg st="2" end="2"/>
+                                            </p:txEl>
+                                          </p:spTgt>
+                                        </p:tgtEl>
+                                        <p:attrNameLst>
+                                          <p:attrName>ppt_y</p:attrName>
+                                        </p:attrNameLst>
+                                      </p:cBhvr>
+                                      <p:tavLst>
+                                        <p:tav tm="0">
+                                          <p:val>
+                                            <p:strVal val="#ppt_y"/>
+                                          </p:val>
+                                        </p:tav>
+                                        <p:tav tm="100000">
+                                          <p:val>
+                                            <p:strVal val="#ppt_y"/>
+                                          </p:val>
+                                        </p:tav>
+                                      </p:tavLst>
+                                    </p:anim>
+                                  </p:childTnLst>
+                                </p:cTn>
+                              </p:par>
+                            </p:childTnLst>
+                          </p:cTn>
+                        </p:par>
+                        <p:par>
+                          <p:cTn id="19" fill="hold">
+                            <p:stCondLst>
+                              <p:cond delay="2500"/>
+                            </p:stCondLst>
+                            <p:childTnLst>
+                              <p:par>
+                                <p:cTn id="20" presetID="2" presetClass="entr" presetSubtype="8" fill="hold" grpId="0" nodeType="afterEffect">
+                                  <p:stCondLst>
+                                    <p:cond delay="0"/>
+                                  </p:stCondLst>
+                                  <p:childTnLst>
+                                    <p:set>
+                                      <p:cBhvr>
+                                        <p:cTn id="21" dur="1" fill="hold">
+                                          <p:stCondLst>
+                                            <p:cond delay="0"/>
+                                          </p:stCondLst>
+                                        </p:cTn>
+                                        <p:tgtEl>
+                                          <p:spTgt spid="8">
+                                            <p:txEl>
+                                              <p:pRg st="4" end="4"/>
+                                            </p:txEl>
+                                          </p:spTgt>
+                                        </p:tgtEl>
+                                        <p:attrNameLst>
+                                          <p:attrName>style.visibility</p:attrName>
+                                        </p:attrNameLst>
+                                      </p:cBhvr>
+                                      <p:to>
+                                        <p:strVal val="visible"/>
+                                      </p:to>
+                                    </p:set>
+                                    <p:anim calcmode="lin" valueType="num">
+                                      <p:cBhvr additive="base">
+                                        <p:cTn id="22" dur="1000" fill="hold"/>
+                                        <p:tgtEl>
+                                          <p:spTgt spid="8">
+                                            <p:txEl>
+                                              <p:pRg st="4" end="4"/>
+                                            </p:txEl>
+                                          </p:spTgt>
+                                        </p:tgtEl>
+                                        <p:attrNameLst>
+                                          <p:attrName>ppt_x</p:attrName>
+                                        </p:attrNameLst>
+                                      </p:cBhvr>
+                                      <p:tavLst>
+                                        <p:tav tm="0">
+                                          <p:val>
+                                            <p:strVal val="0-#ppt_w/2"/>
+                                          </p:val>
+                                        </p:tav>
+                                        <p:tav tm="100000">
+                                          <p:val>
+                                            <p:strVal val="#ppt_x"/>
+                                          </p:val>
+                                        </p:tav>
+                                      </p:tavLst>
+                                    </p:anim>
+                                    <p:anim calcmode="lin" valueType="num">
+                                      <p:cBhvr additive="base">
+                                        <p:cTn id="23" dur="1000" fill="hold"/>
+                                        <p:tgtEl>
+                                          <p:spTgt spid="8">
+                                            <p:txEl>
+                                              <p:pRg st="4" end="4"/>
+                                            </p:txEl>
+                                          </p:spTgt>
+                                        </p:tgtEl>
+                                        <p:attrNameLst>
+                                          <p:attrName>ppt_y</p:attrName>
+                                        </p:attrNameLst>
+                                      </p:cBhvr>
+                                      <p:tavLst>
+                                        <p:tav tm="0">
+                                          <p:val>
+                                            <p:strVal val="#ppt_y"/>
+                                          </p:val>
+                                        </p:tav>
+                                        <p:tav tm="100000">
+                                          <p:val>
+                                            <p:strVal val="#ppt_y"/>
+                                          </p:val>
+                                        </p:tav>
+                                      </p:tavLst>
+                                    </p:anim>
+                                  </p:childTnLst>
+                                </p:cTn>
+                              </p:par>
+                            </p:childTnLst>
+                          </p:cTn>
+                        </p:par>
+                      </p:childTnLst>
+                    </p:cTn>
+                  </p:par>
+                </p:childTnLst>
+              </p:cTn>
+              <p:prevCondLst>
+                <p:cond evt="onPrev" delay="0">
+                  <p:tgtEl>
+                    <p:sldTgt/>
+                  </p:tgtEl>
+                </p:cond>
+              </p:prevCondLst>
+              <p:nextCondLst>
+                <p:cond evt="onNext" delay="0">
+                  <p:tgtEl>
+                    <p:sldTgt/>
+                  </p:tgtEl>
+                </p:cond>
+              </p:nextCondLst>
+            </p:seq>
+          </p:childTnLst>
+        </p:cTn>
+      </p:par>
+    </p:tnLst>
+    <p:bldLst>
+      <p:bldP spid="7" grpId="0"/>
+      <p:bldP spid="8" grpId="0" build="p"/>
+    </p:bldLst>
+  </p:timing>
+</p:sld>
+</file>
+
+<file path=ppt/slides/slide5.xml><?xml version="1.0" encoding="utf-8"?>
+<p:sld xmlns:a="http://schemas.openxmlformats.org/drawingml/2006/main" xmlns:r="http://schemas.openxmlformats.org/officeDocument/2006/relationships" xmlns:p="http://schemas.openxmlformats.org/presentationml/2006/main">
+  <p:cSld>
+    <p:spTree>
+      <p:nvGrpSpPr>
+        <p:cNvPr id="1" name=""/>
+        <p:cNvGrpSpPr/>
+        <p:nvPr/>
+      </p:nvGrpSpPr>
+      <p:grpSpPr>
+        <a:xfrm>
+          <a:off x="0" y="0"/>
+          <a:ext cx="0" cy="0"/>
+          <a:chOff x="0" y="0"/>
+          <a:chExt cx="0" cy="0"/>
+        </a:xfrm>
+      </p:grpSpPr>
+      <p:sp>
+        <p:nvSpPr>
+          <p:cNvPr id="5" name="Rectángulo 4">
+            <a:extLst>
+              <a:ext uri="{FF2B5EF4-FFF2-40B4-BE49-F238E27FC236}">
+                <a16:creationId xmlns:a16="http://schemas.microsoft.com/office/drawing/2014/main" id="{094A6736-35AD-441B-9AE8-0B811CA4A999}"/>
+              </a:ext>
+            </a:extLst>
+          </p:cNvPr>
+          <p:cNvSpPr/>
+          <p:nvPr/>
+        </p:nvSpPr>
+        <p:spPr>
+          <a:xfrm>
+            <a:off x="-1" y="0"/>
+            <a:ext cx="9144001" cy="6858000"/>
+          </a:xfrm>
+          <a:prstGeom prst="rect">
+            <a:avLst/>
+          </a:prstGeom>
+          <a:blipFill>
+            <a:blip r:embed="rId2"/>
+            <a:stretch>
+              <a:fillRect b="-8452"/>
+            </a:stretch>
+          </a:blipFill>
+          <a:ln>
+            <a:noFill/>
+          </a:ln>
+        </p:spPr>
+        <p:style>
+          <a:lnRef idx="2">
+            <a:schemeClr val="accent1">
+              <a:shade val="50000"/>
+            </a:schemeClr>
+          </a:lnRef>
+          <a:fillRef idx="1">
+            <a:schemeClr val="accent1"/>
+          </a:fillRef>
+          <a:effectRef idx="0">
+            <a:schemeClr val="accent1"/>
+          </a:effectRef>
+          <a:fontRef idx="minor">
+            <a:schemeClr val="lt1"/>
+          </a:fontRef>
+        </p:style>
+        <p:txBody>
+          <a:bodyPr rtlCol="0" anchor="ctr"/>
+          <a:lstStyle/>
+          <a:p>
+            <a:br>
+              <a:rPr lang="es-ES" sz="1500" dirty="0">
+                <a:solidFill>
+                  <a:schemeClr val="tx1"/>
+                </a:solidFill>
+                <a:latin typeface="Times New Roman" panose="02020603050405020304" pitchFamily="18" charset="0"/>
+              </a:rPr>
+            </a:br>
+            <a:endParaRPr lang="es-CO" sz="1500" u="sng" dirty="0">
+              <a:solidFill>
+                <a:schemeClr val="tx1"/>
+              </a:solidFill>
+            </a:endParaRPr>
+          </a:p>
+        </p:txBody>
+      </p:sp>
+      <p:sp>
+        <p:nvSpPr>
+          <p:cNvPr id="6" name="Rectángulo 5">
+            <a:extLst>
+              <a:ext uri="{FF2B5EF4-FFF2-40B4-BE49-F238E27FC236}">
+                <a16:creationId xmlns:a16="http://schemas.microsoft.com/office/drawing/2014/main" id="{1D7BAA42-1A8A-43C8-B209-D1AFAA845598}"/>
+              </a:ext>
+            </a:extLst>
+          </p:cNvPr>
+          <p:cNvSpPr/>
+          <p:nvPr/>
+        </p:nvSpPr>
+        <p:spPr>
+          <a:xfrm>
+            <a:off x="-1" y="0"/>
+            <a:ext cx="9144001" cy="6858000"/>
+          </a:xfrm>
+          <a:prstGeom prst="rect">
+            <a:avLst/>
+          </a:prstGeom>
+          <a:gradFill flip="none" rotWithShape="1">
+            <a:gsLst>
+              <a:gs pos="0">
+                <a:schemeClr val="accent1">
+                  <a:lumMod val="0"/>
+                  <a:lumOff val="100000"/>
+                  <a:alpha val="60000"/>
+                </a:schemeClr>
+              </a:gs>
+              <a:gs pos="35000">
+                <a:schemeClr val="accent1">
+                  <a:lumMod val="0"/>
+                  <a:lumOff val="100000"/>
+                  <a:alpha val="96000"/>
+                </a:schemeClr>
+              </a:gs>
+              <a:gs pos="100000">
+                <a:schemeClr val="accent1">
+                  <a:lumMod val="100000"/>
+                  <a:alpha val="80000"/>
+                </a:schemeClr>
+              </a:gs>
+            </a:gsLst>
+            <a:path path="circle">
+              <a:fillToRect l="50000" t="-80000" r="50000" b="180000"/>
+            </a:path>
+            <a:tileRect/>
+          </a:gradFill>
+          <a:ln>
+            <a:noFill/>
+          </a:ln>
+        </p:spPr>
+        <p:style>
+          <a:lnRef idx="2">
+            <a:schemeClr val="accent1">
+              <a:shade val="50000"/>
+            </a:schemeClr>
+          </a:lnRef>
+          <a:fillRef idx="1">
+            <a:schemeClr val="accent1"/>
+          </a:fillRef>
+          <a:effectRef idx="0">
+            <a:schemeClr val="accent1"/>
+          </a:effectRef>
+          <a:fontRef idx="minor">
+            <a:schemeClr val="lt1"/>
+          </a:fontRef>
+        </p:style>
+        <p:txBody>
+          <a:bodyPr rtlCol="0" anchor="ctr"/>
+          <a:lstStyle/>
+          <a:p>
+            <a:br>
               <a:rPr lang="es-ES" sz="1500" dirty="0">
                 <a:solidFill>
                   <a:schemeClr val="tx1"/>
@@ -6320,21 +8692,22 @@
           <a:p>
             <a:pPr algn="ctr"/>
             <a:r>
-              <a:rPr lang="es-ES" sz="5400" b="1" cap="none" spc="0" dirty="0">
-                <a:ln w="9525">
+              <a:rPr lang="es-ES" sz="5400" b="1" dirty="0">
+                <a:ln w="13462">
                   <a:solidFill>
                     <a:schemeClr val="bg1"/>
                   </a:solidFill>
                   <a:prstDash val="solid"/>
                 </a:ln>
                 <a:solidFill>
-                  <a:schemeClr val="tx1"/>
+                  <a:schemeClr val="tx1">
+                    <a:lumMod val="85000"/>
+                    <a:lumOff val="15000"/>
+                  </a:schemeClr>
                 </a:solidFill>
                 <a:effectLst>
-                  <a:outerShdw blurRad="12700" dist="38100" dir="2700000" algn="tl" rotWithShape="0">
-                    <a:schemeClr val="bg1">
-                      <a:lumMod val="50000"/>
-                    </a:schemeClr>
+                  <a:outerShdw dist="38100" dir="2700000" algn="bl" rotWithShape="0">
+                    <a:schemeClr val="accent5"/>
                   </a:outerShdw>
                 </a:effectLst>
               </a:rPr>
@@ -6365,20 +8738,12 @@
           <a:p>
             <a:pPr algn="ctr"/>
             <a:r>
-              <a:rPr lang="es-ES" sz="5400" b="1" cap="none" spc="0" dirty="0" err="1">
-                <a:ln w="9525">
-                  <a:solidFill>
-                    <a:schemeClr val="bg1"/>
-                  </a:solidFill>
-                  <a:prstDash val="solid"/>
-                </a:ln>
-                <a:solidFill>
-                  <a:schemeClr val="tx1"/>
-                </a:solidFill>
+              <a:rPr lang="es-ES" sz="5400" dirty="0" err="1">
+                <a:ln w="0"/>
                 <a:effectLst>
-                  <a:outerShdw blurRad="12700" dist="38100" dir="2700000" algn="tl" rotWithShape="0">
-                    <a:schemeClr val="bg1">
-                      <a:lumMod val="50000"/>
+                  <a:outerShdw blurRad="38100" dist="19050" dir="2700000" algn="tl" rotWithShape="0">
+                    <a:schemeClr val="dk1">
+                      <a:alpha val="40000"/>
                     </a:schemeClr>
                   </a:outerShdw>
                 </a:effectLst>
@@ -6386,20 +8751,12 @@
               <a:t>Thank</a:t>
             </a:r>
             <a:r>
-              <a:rPr lang="es-ES" sz="5400" b="1" cap="none" spc="0" dirty="0">
-                <a:ln w="9525">
-                  <a:solidFill>
-                    <a:schemeClr val="bg1"/>
-                  </a:solidFill>
-                  <a:prstDash val="solid"/>
-                </a:ln>
-                <a:solidFill>
-                  <a:schemeClr val="tx1"/>
-                </a:solidFill>
+              <a:rPr lang="es-ES" sz="5400" dirty="0">
+                <a:ln w="0"/>
                 <a:effectLst>
-                  <a:outerShdw blurRad="12700" dist="38100" dir="2700000" algn="tl" rotWithShape="0">
-                    <a:schemeClr val="bg1">
-                      <a:lumMod val="50000"/>
+                  <a:outerShdw blurRad="38100" dist="19050" dir="2700000" algn="tl" rotWithShape="0">
+                    <a:schemeClr val="dk1">
+                      <a:alpha val="40000"/>
                     </a:schemeClr>
                   </a:outerShdw>
                 </a:effectLst>
@@ -6407,20 +8764,12 @@
               <a:t> </a:t>
             </a:r>
             <a:r>
-              <a:rPr lang="es-ES" sz="5400" b="1" cap="none" spc="0" dirty="0" err="1">
-                <a:ln w="9525">
-                  <a:solidFill>
-                    <a:schemeClr val="bg1"/>
-                  </a:solidFill>
-                  <a:prstDash val="solid"/>
-                </a:ln>
-                <a:solidFill>
-                  <a:schemeClr val="tx1"/>
-                </a:solidFill>
+              <a:rPr lang="es-ES" sz="5400" dirty="0" err="1">
+                <a:ln w="0"/>
                 <a:effectLst>
-                  <a:outerShdw blurRad="12700" dist="38100" dir="2700000" algn="tl" rotWithShape="0">
-                    <a:schemeClr val="bg1">
-                      <a:lumMod val="50000"/>
+                  <a:outerShdw blurRad="38100" dist="19050" dir="2700000" algn="tl" rotWithShape="0">
+                    <a:schemeClr val="dk1">
+                      <a:alpha val="40000"/>
                     </a:schemeClr>
                   </a:outerShdw>
                 </a:effectLst>
@@ -6428,20 +8777,12 @@
               <a:t>you</a:t>
             </a:r>
             <a:r>
-              <a:rPr lang="es-ES" sz="5400" b="1" cap="none" spc="0" dirty="0">
-                <a:ln w="9525">
-                  <a:solidFill>
-                    <a:schemeClr val="bg1"/>
-                  </a:solidFill>
-                  <a:prstDash val="solid"/>
-                </a:ln>
-                <a:solidFill>
-                  <a:schemeClr val="tx1"/>
-                </a:solidFill>
+              <a:rPr lang="es-ES" sz="5400" dirty="0">
+                <a:ln w="0"/>
                 <a:effectLst>
-                  <a:outerShdw blurRad="12700" dist="38100" dir="2700000" algn="tl" rotWithShape="0">
-                    <a:schemeClr val="bg1">
-                      <a:lumMod val="50000"/>
+                  <a:outerShdw blurRad="38100" dist="19050" dir="2700000" algn="tl" rotWithShape="0">
+                    <a:schemeClr val="dk1">
+                      <a:alpha val="40000"/>
                     </a:schemeClr>
                   </a:outerShdw>
                 </a:effectLst>
@@ -6449,20 +8790,12 @@
               <a:t> </a:t>
             </a:r>
             <a:r>
-              <a:rPr lang="es-ES" sz="5400" b="1" cap="none" spc="0" dirty="0" err="1">
-                <a:ln w="9525">
-                  <a:solidFill>
-                    <a:schemeClr val="bg1"/>
-                  </a:solidFill>
-                  <a:prstDash val="solid"/>
-                </a:ln>
-                <a:solidFill>
-                  <a:schemeClr val="tx1"/>
-                </a:solidFill>
+              <a:rPr lang="es-ES" sz="5400" dirty="0" err="1">
+                <a:ln w="0"/>
                 <a:effectLst>
-                  <a:outerShdw blurRad="12700" dist="38100" dir="2700000" algn="tl" rotWithShape="0">
-                    <a:schemeClr val="bg1">
-                      <a:lumMod val="50000"/>
+                  <a:outerShdw blurRad="38100" dist="19050" dir="2700000" algn="tl" rotWithShape="0">
+                    <a:schemeClr val="dk1">
+                      <a:alpha val="40000"/>
                     </a:schemeClr>
                   </a:outerShdw>
                 </a:effectLst>
@@ -6470,20 +8803,12 @@
               <a:t>for</a:t>
             </a:r>
             <a:r>
-              <a:rPr lang="es-ES" sz="5400" b="1" cap="none" spc="0" dirty="0">
-                <a:ln w="9525">
-                  <a:solidFill>
-                    <a:schemeClr val="bg1"/>
-                  </a:solidFill>
-                  <a:prstDash val="solid"/>
-                </a:ln>
-                <a:solidFill>
-                  <a:schemeClr val="tx1"/>
-                </a:solidFill>
+              <a:rPr lang="es-ES" sz="5400" dirty="0">
+                <a:ln w="0"/>
                 <a:effectLst>
-                  <a:outerShdw blurRad="12700" dist="38100" dir="2700000" algn="tl" rotWithShape="0">
-                    <a:schemeClr val="bg1">
-                      <a:lumMod val="50000"/>
+                  <a:outerShdw blurRad="38100" dist="19050" dir="2700000" algn="tl" rotWithShape="0">
+                    <a:schemeClr val="dk1">
+                      <a:alpha val="40000"/>
                     </a:schemeClr>
                   </a:outerShdw>
                 </a:effectLst>
@@ -6491,20 +8816,12 @@
               <a:t> </a:t>
             </a:r>
             <a:r>
-              <a:rPr lang="es-ES" sz="5400" b="1" cap="none" spc="0" dirty="0" err="1">
-                <a:ln w="9525">
-                  <a:solidFill>
-                    <a:schemeClr val="bg1"/>
-                  </a:solidFill>
-                  <a:prstDash val="solid"/>
-                </a:ln>
-                <a:solidFill>
-                  <a:schemeClr val="tx1"/>
-                </a:solidFill>
+              <a:rPr lang="es-ES" sz="5400" dirty="0" err="1">
+                <a:ln w="0"/>
                 <a:effectLst>
-                  <a:outerShdw blurRad="12700" dist="38100" dir="2700000" algn="tl" rotWithShape="0">
-                    <a:schemeClr val="bg1">
-                      <a:lumMod val="50000"/>
+                  <a:outerShdw blurRad="38100" dist="19050" dir="2700000" algn="tl" rotWithShape="0">
+                    <a:schemeClr val="dk1">
+                      <a:alpha val="40000"/>
                     </a:schemeClr>
                   </a:outerShdw>
                 </a:effectLst>
@@ -6512,20 +8829,12 @@
               <a:t>your</a:t>
             </a:r>
             <a:r>
-              <a:rPr lang="es-ES" sz="5400" b="1" cap="none" spc="0" dirty="0">
-                <a:ln w="9525">
-                  <a:solidFill>
-                    <a:schemeClr val="bg1"/>
-                  </a:solidFill>
-                  <a:prstDash val="solid"/>
-                </a:ln>
-                <a:solidFill>
-                  <a:schemeClr val="tx1"/>
-                </a:solidFill>
+              <a:rPr lang="es-ES" sz="5400" dirty="0">
+                <a:ln w="0"/>
                 <a:effectLst>
-                  <a:outerShdw blurRad="12700" dist="38100" dir="2700000" algn="tl" rotWithShape="0">
-                    <a:schemeClr val="bg1">
-                      <a:lumMod val="50000"/>
+                  <a:outerShdw blurRad="38100" dist="19050" dir="2700000" algn="tl" rotWithShape="0">
+                    <a:schemeClr val="dk1">
+                      <a:alpha val="40000"/>
                     </a:schemeClr>
                   </a:outerShdw>
                 </a:effectLst>
@@ -6545,13 +8854,13 @@
   <p:clrMapOvr>
     <a:masterClrMapping/>
   </p:clrMapOvr>
-  <mc:AlternateContent xmlns:mc="http://schemas.openxmlformats.org/markup-compatibility/2006">
-    <mc:Choice xmlns:p14="http://schemas.microsoft.com/office/powerpoint/2010/main" Requires="p14">
+  <mc:AlternateContent xmlns:mc="http://schemas.openxmlformats.org/markup-compatibility/2006" xmlns:p14="http://schemas.microsoft.com/office/powerpoint/2010/main">
+    <mc:Choice Requires="p14">
       <p:transition spd="slow" p14:dur="1600">
         <p:blinds dir="vert"/>
       </p:transition>
     </mc:Choice>
-    <mc:Fallback>
+    <mc:Fallback xmlns="">
       <p:transition spd="slow">
         <p:blinds dir="vert"/>
       </p:transition>
@@ -6610,7 +8919,7 @@
                                     </p:set>
                                     <p:animEffect transition="in" filter="wipe(left)">
                                       <p:cBhvr>
-                                        <p:cTn id="7" dur="500"/>
+                                        <p:cTn id="7" dur="1300"/>
                                         <p:tgtEl>
                                           <p:spTgt spid="2">
                                             <p:txEl>
@@ -6629,7 +8938,7 @@
                         <p:par>
                           <p:cTn id="8" fill="hold">
                             <p:stCondLst>
-                              <p:cond delay="500"/>
+                              <p:cond delay="1300"/>
                             </p:stCondLst>
                             <p:childTnLst>
                               <p:par>
@@ -6662,7 +8971,7 @@
                                     </p:set>
                                     <p:animEffect transition="in" filter="wipe(left)">
                                       <p:cBhvr>
-                                        <p:cTn id="11" dur="500"/>
+                                        <p:cTn id="11" dur="1300"/>
                                         <p:tgtEl>
                                           <p:spTgt spid="2">
                                             <p:txEl>
